--- a/windocs/windocs-presentations/Debugging NEO Accounts and Addresses-20180216 v0.1.pptx
+++ b/windocs/windocs-presentations/Debugging NEO Accounts and Addresses-20180216 v0.1.pptx
@@ -5,7 +5,7 @@
     <p:sldMasterId id="2147483660" r:id="rId1"/>
   </p:sldMasterIdLst>
   <p:notesMasterIdLst>
-    <p:notesMasterId r:id="rId18"/>
+    <p:notesMasterId r:id="rId19"/>
   </p:notesMasterIdLst>
   <p:sldIdLst>
     <p:sldId id="256" r:id="rId2"/>
@@ -24,6 +24,7 @@
     <p:sldId id="258" r:id="rId15"/>
     <p:sldId id="271" r:id="rId16"/>
     <p:sldId id="272" r:id="rId17"/>
+    <p:sldId id="274" r:id="rId18"/>
   </p:sldIdLst>
   <p:sldSz cx="12192000" cy="6858000"/>
   <p:notesSz cx="6858000" cy="9144000"/>
@@ -7230,6 +7231,311 @@
 </p:sld>
 </file>
 
+<file path=ppt/slides/slide17.xml><?xml version="1.0" encoding="utf-8"?>
+<p:sld xmlns:a="http://schemas.openxmlformats.org/drawingml/2006/main" xmlns:r="http://schemas.openxmlformats.org/officeDocument/2006/relationships" xmlns:p="http://schemas.openxmlformats.org/presentationml/2006/main">
+  <p:cSld>
+    <p:spTree>
+      <p:nvGrpSpPr>
+        <p:cNvPr id="1" name=""/>
+        <p:cNvGrpSpPr/>
+        <p:nvPr/>
+      </p:nvGrpSpPr>
+      <p:grpSpPr>
+        <a:xfrm>
+          <a:off x="0" y="0"/>
+          <a:ext cx="0" cy="0"/>
+          <a:chOff x="0" y="0"/>
+          <a:chExt cx="0" cy="0"/>
+        </a:xfrm>
+      </p:grpSpPr>
+      <p:sp>
+        <p:nvSpPr>
+          <p:cNvPr id="2" name="Title 1">
+            <a:extLst>
+              <a:ext uri="{FF2B5EF4-FFF2-40B4-BE49-F238E27FC236}">
+                <a16:creationId xmlns:a16="http://schemas.microsoft.com/office/drawing/2014/main" id="{5DB618A4-8C46-4CE9-AB44-F26A6B05EC2A}"/>
+              </a:ext>
+            </a:extLst>
+          </p:cNvPr>
+          <p:cNvSpPr>
+            <a:spLocks noGrp="1"/>
+          </p:cNvSpPr>
+          <p:nvPr>
+            <p:ph type="title"/>
+          </p:nvPr>
+        </p:nvSpPr>
+        <p:spPr>
+          <a:xfrm>
+            <a:off x="677334" y="609600"/>
+            <a:ext cx="11347026" cy="1320800"/>
+          </a:xfrm>
+        </p:spPr>
+        <p:txBody>
+          <a:bodyPr>
+            <a:normAutofit fontScale="90000"/>
+          </a:bodyPr>
+          <a:lstStyle/>
+          <a:p>
+            <a:r>
+              <a:rPr lang="en-US" dirty="0" err="1"/>
+              <a:t>Runtime.CheckWitness</a:t>
+            </a:r>
+            <a:r>
+              <a:rPr lang="en-US" dirty="0"/>
+              <a:t>(</a:t>
+            </a:r>
+            <a:r>
+              <a:rPr lang="en-US" dirty="0" err="1"/>
+              <a:t>addressScriptHash</a:t>
+            </a:r>
+            <a:r>
+              <a:rPr lang="en-US" dirty="0"/>
+              <a:t>)</a:t>
+            </a:r>
+            <a:br>
+              <a:rPr lang="en-US" dirty="0"/>
+            </a:br>
+            <a:r>
+              <a:rPr lang="en-US" dirty="0"/>
+              <a:t>confirms parameter is the calling account (script hash)</a:t>
+            </a:r>
+            <a:endParaRPr lang="en-CA" dirty="0"/>
+          </a:p>
+        </p:txBody>
+      </p:sp>
+      <p:sp>
+        <p:nvSpPr>
+          <p:cNvPr id="3" name="Content Placeholder 2">
+            <a:extLst>
+              <a:ext uri="{FF2B5EF4-FFF2-40B4-BE49-F238E27FC236}">
+                <a16:creationId xmlns:a16="http://schemas.microsoft.com/office/drawing/2014/main" id="{5E838A81-0961-4B55-9362-868316E86B6B}"/>
+              </a:ext>
+            </a:extLst>
+          </p:cNvPr>
+          <p:cNvSpPr>
+            <a:spLocks noGrp="1"/>
+          </p:cNvSpPr>
+          <p:nvPr>
+            <p:ph idx="1"/>
+          </p:nvPr>
+        </p:nvSpPr>
+        <p:spPr>
+          <a:xfrm>
+            <a:off x="677334" y="2160589"/>
+            <a:ext cx="10615506" cy="3880773"/>
+          </a:xfrm>
+        </p:spPr>
+        <p:txBody>
+          <a:bodyPr>
+            <a:normAutofit fontScale="85000" lnSpcReduction="20000"/>
+          </a:bodyPr>
+          <a:lstStyle/>
+          <a:p>
+            <a:pPr marL="0" indent="0">
+              <a:buNone/>
+            </a:pPr>
+            <a:r>
+              <a:rPr lang="en-CA" dirty="0">
+                <a:latin typeface="Lucida Console" panose="020B0609040504020204" pitchFamily="49" charset="0"/>
+              </a:rPr>
+              <a:t>private static bool Register(string domain, byte[] owner)</a:t>
+            </a:r>
+          </a:p>
+          <a:p>
+            <a:pPr marL="0" indent="0">
+              <a:buNone/>
+            </a:pPr>
+            <a:r>
+              <a:rPr lang="en-CA" dirty="0">
+                <a:latin typeface="Lucida Console" panose="020B0609040504020204" pitchFamily="49" charset="0"/>
+              </a:rPr>
+              <a:t>{</a:t>
+            </a:r>
+          </a:p>
+          <a:p>
+            <a:pPr marL="0" indent="0">
+              <a:buNone/>
+            </a:pPr>
+            <a:r>
+              <a:rPr lang="en-US" dirty="0">
+                <a:latin typeface="Lucida Console" panose="020B0609040504020204" pitchFamily="49" charset="0"/>
+              </a:rPr>
+              <a:t>    if (!</a:t>
+            </a:r>
+            <a:r>
+              <a:rPr lang="en-US" dirty="0" err="1">
+                <a:latin typeface="Lucida Console" panose="020B0609040504020204" pitchFamily="49" charset="0"/>
+              </a:rPr>
+              <a:t>Runtime.CheckWitness</a:t>
+            </a:r>
+            <a:r>
+              <a:rPr lang="en-US" dirty="0">
+                <a:latin typeface="Lucida Console" panose="020B0609040504020204" pitchFamily="49" charset="0"/>
+              </a:rPr>
+              <a:t>(owner)) return false;</a:t>
+            </a:r>
+          </a:p>
+          <a:p>
+            <a:pPr marL="0" indent="0">
+              <a:buNone/>
+            </a:pPr>
+            <a:r>
+              <a:rPr lang="en-CA" dirty="0">
+                <a:latin typeface="Lucida Console" panose="020B0609040504020204" pitchFamily="49" charset="0"/>
+              </a:rPr>
+              <a:t>    byte[] value = </a:t>
+            </a:r>
+            <a:r>
+              <a:rPr lang="en-CA" dirty="0" err="1">
+                <a:latin typeface="Lucida Console" panose="020B0609040504020204" pitchFamily="49" charset="0"/>
+              </a:rPr>
+              <a:t>Storage.Get</a:t>
+            </a:r>
+            <a:r>
+              <a:rPr lang="en-CA" dirty="0">
+                <a:latin typeface="Lucida Console" panose="020B0609040504020204" pitchFamily="49" charset="0"/>
+              </a:rPr>
+              <a:t>(</a:t>
+            </a:r>
+            <a:r>
+              <a:rPr lang="en-CA" dirty="0" err="1">
+                <a:latin typeface="Lucida Console" panose="020B0609040504020204" pitchFamily="49" charset="0"/>
+              </a:rPr>
+              <a:t>Storage.CurrentContext</a:t>
+            </a:r>
+            <a:r>
+              <a:rPr lang="en-CA" dirty="0">
+                <a:latin typeface="Lucida Console" panose="020B0609040504020204" pitchFamily="49" charset="0"/>
+              </a:rPr>
+              <a:t>, domain);</a:t>
+            </a:r>
+          </a:p>
+          <a:p>
+            <a:pPr marL="0" indent="0">
+              <a:buNone/>
+            </a:pPr>
+            <a:r>
+              <a:rPr lang="en-US" dirty="0">
+                <a:latin typeface="Lucida Console" panose="020B0609040504020204" pitchFamily="49" charset="0"/>
+              </a:rPr>
+              <a:t>    if (value != null) return false;</a:t>
+            </a:r>
+          </a:p>
+          <a:p>
+            <a:pPr marL="0" indent="0">
+              <a:buNone/>
+            </a:pPr>
+            <a:r>
+              <a:rPr lang="en-US" dirty="0">
+                <a:latin typeface="Lucida Console" panose="020B0609040504020204" pitchFamily="49" charset="0"/>
+              </a:rPr>
+              <a:t>    </a:t>
+            </a:r>
+            <a:r>
+              <a:rPr lang="en-US" dirty="0" err="1">
+                <a:latin typeface="Lucida Console" panose="020B0609040504020204" pitchFamily="49" charset="0"/>
+              </a:rPr>
+              <a:t>Storage.Put</a:t>
+            </a:r>
+            <a:r>
+              <a:rPr lang="en-US" dirty="0">
+                <a:latin typeface="Lucida Console" panose="020B0609040504020204" pitchFamily="49" charset="0"/>
+              </a:rPr>
+              <a:t>(</a:t>
+            </a:r>
+            <a:r>
+              <a:rPr lang="en-US" dirty="0" err="1">
+                <a:latin typeface="Lucida Console" panose="020B0609040504020204" pitchFamily="49" charset="0"/>
+              </a:rPr>
+              <a:t>Storage.CurrentContext</a:t>
+            </a:r>
+            <a:r>
+              <a:rPr lang="en-US" dirty="0">
+                <a:latin typeface="Lucida Console" panose="020B0609040504020204" pitchFamily="49" charset="0"/>
+              </a:rPr>
+              <a:t>, domain, owner);</a:t>
+            </a:r>
+          </a:p>
+          <a:p>
+            <a:pPr marL="0" indent="0">
+              <a:buNone/>
+            </a:pPr>
+            <a:r>
+              <a:rPr lang="en-CA" dirty="0">
+                <a:latin typeface="Lucida Console" panose="020B0609040504020204" pitchFamily="49" charset="0"/>
+              </a:rPr>
+              <a:t>    return true;</a:t>
+            </a:r>
+          </a:p>
+          <a:p>
+            <a:pPr marL="0" indent="0">
+              <a:buNone/>
+            </a:pPr>
+            <a:r>
+              <a:rPr lang="en-CA" dirty="0">
+                <a:latin typeface="Lucida Console" panose="020B0609040504020204" pitchFamily="49" charset="0"/>
+              </a:rPr>
+              <a:t>}</a:t>
+            </a:r>
+          </a:p>
+          <a:p>
+            <a:pPr marL="0" indent="0">
+              <a:buNone/>
+            </a:pPr>
+            <a:endParaRPr lang="en-CA" dirty="0">
+              <a:latin typeface="Lucida Console" panose="020B0609040504020204" pitchFamily="49" charset="0"/>
+            </a:endParaRPr>
+          </a:p>
+          <a:p>
+            <a:pPr marL="0" indent="0">
+              <a:buNone/>
+            </a:pPr>
+            <a:r>
+              <a:rPr lang="en-CA" dirty="0">
+                <a:latin typeface="Lucida Console" panose="020B0609040504020204" pitchFamily="49" charset="0"/>
+              </a:rPr>
+              <a:t>public static </a:t>
+            </a:r>
+            <a:r>
+              <a:rPr lang="en-CA" dirty="0" err="1">
+                <a:latin typeface="Lucida Console" panose="020B0609040504020204" pitchFamily="49" charset="0"/>
+              </a:rPr>
+              <a:t>readonly</a:t>
+            </a:r>
+            <a:r>
+              <a:rPr lang="en-CA" dirty="0">
+                <a:latin typeface="Lucida Console" panose="020B0609040504020204" pitchFamily="49" charset="0"/>
+              </a:rPr>
+              <a:t> byte[] Owner = "ATrzHaicmhRj15C3Vv6e6gLfLqhSD2PtTr".ToScriptHash();</a:t>
+            </a:r>
+          </a:p>
+          <a:p>
+            <a:endParaRPr lang="en-CA" dirty="0"/>
+          </a:p>
+          <a:p>
+            <a:r>
+              <a:rPr lang="en-CA" dirty="0"/>
+              <a:t> </a:t>
+            </a:r>
+          </a:p>
+          <a:p>
+            <a:endParaRPr lang="en-CA" dirty="0"/>
+          </a:p>
+        </p:txBody>
+      </p:sp>
+    </p:spTree>
+    <p:extLst>
+      <p:ext uri="{BB962C8B-B14F-4D97-AF65-F5344CB8AC3E}">
+        <p14:creationId xmlns:p14="http://schemas.microsoft.com/office/powerpoint/2010/main" val="3524963186"/>
+      </p:ext>
+    </p:extLst>
+  </p:cSld>
+  <p:clrMapOvr>
+    <a:masterClrMapping/>
+  </p:clrMapOvr>
+</p:sld>
+</file>
+
 <file path=ppt/slides/slide2.xml><?xml version="1.0" encoding="utf-8"?>
 <p:sld xmlns:a="http://schemas.openxmlformats.org/drawingml/2006/main" xmlns:r="http://schemas.openxmlformats.org/officeDocument/2006/relationships" xmlns:p="http://schemas.openxmlformats.org/presentationml/2006/main">
   <p:cSld>

--- a/windocs/windocs-presentations/Debugging NEO Accounts and Addresses-20180216 v0.1.pptx
+++ b/windocs/windocs-presentations/Debugging NEO Accounts and Addresses-20180216 v0.1.pptx
@@ -5,7 +5,7 @@
     <p:sldMasterId id="2147483660" r:id="rId1"/>
   </p:sldMasterIdLst>
   <p:notesMasterIdLst>
-    <p:notesMasterId r:id="rId19"/>
+    <p:notesMasterId r:id="rId20"/>
   </p:notesMasterIdLst>
   <p:sldIdLst>
     <p:sldId id="256" r:id="rId2"/>
@@ -25,6 +25,7 @@
     <p:sldId id="271" r:id="rId16"/>
     <p:sldId id="272" r:id="rId17"/>
     <p:sldId id="274" r:id="rId18"/>
+    <p:sldId id="275" r:id="rId19"/>
   </p:sldIdLst>
   <p:sldSz cx="12192000" cy="6858000"/>
   <p:notesSz cx="6858000" cy="9144000"/>
@@ -7267,12 +7268,12 @@
         <p:spPr>
           <a:xfrm>
             <a:off x="677334" y="609600"/>
-            <a:ext cx="11347026" cy="1320800"/>
+            <a:ext cx="11514666" cy="1320800"/>
           </a:xfrm>
         </p:spPr>
         <p:txBody>
           <a:bodyPr>
-            <a:normAutofit fontScale="90000"/>
+            <a:normAutofit/>
           </a:bodyPr>
           <a:lstStyle/>
           <a:p>
@@ -7291,13 +7292,6 @@
             <a:r>
               <a:rPr lang="en-US" dirty="0"/>
               <a:t>)</a:t>
-            </a:r>
-            <a:br>
-              <a:rPr lang="en-US" dirty="0"/>
-            </a:br>
-            <a:r>
-              <a:rPr lang="en-US" dirty="0"/>
-              <a:t>confirms parameter is the calling account (script hash)</a:t>
             </a:r>
             <a:endParaRPr lang="en-CA" dirty="0"/>
           </a:p>
@@ -7321,13 +7315,13 @@
         </p:nvSpPr>
         <p:spPr>
           <a:xfrm>
-            <a:off x="677334" y="2160589"/>
-            <a:ext cx="10615506" cy="3880773"/>
+            <a:off x="677334" y="1636776"/>
+            <a:ext cx="10231458" cy="5093207"/>
           </a:xfrm>
         </p:spPr>
         <p:txBody>
           <a:bodyPr>
-            <a:normAutofit fontScale="85000" lnSpcReduction="20000"/>
+            <a:normAutofit lnSpcReduction="10000"/>
           </a:bodyPr>
           <a:lstStyle/>
           <a:p>
@@ -7335,7 +7329,7 @@
               <a:buNone/>
             </a:pPr>
             <a:r>
-              <a:rPr lang="en-CA" dirty="0">
+              <a:rPr lang="en-CA" b="1" dirty="0">
                 <a:latin typeface="Lucida Console" panose="020B0609040504020204" pitchFamily="49" charset="0"/>
               </a:rPr>
               <a:t>private static bool Register(string domain, byte[] owner)</a:t>
@@ -7346,7 +7340,7 @@
               <a:buNone/>
             </a:pPr>
             <a:r>
-              <a:rPr lang="en-CA" dirty="0">
+              <a:rPr lang="en-CA" b="1" dirty="0">
                 <a:latin typeface="Lucida Console" panose="020B0609040504020204" pitchFamily="49" charset="0"/>
               </a:rPr>
               <a:t>{</a:t>
@@ -7357,19 +7351,19 @@
               <a:buNone/>
             </a:pPr>
             <a:r>
-              <a:rPr lang="en-US" dirty="0">
+              <a:rPr lang="en-US" b="1" dirty="0">
                 <a:latin typeface="Lucida Console" panose="020B0609040504020204" pitchFamily="49" charset="0"/>
               </a:rPr>
               <a:t>    if (!</a:t>
             </a:r>
             <a:r>
-              <a:rPr lang="en-US" dirty="0" err="1">
+              <a:rPr lang="en-US" b="1" dirty="0" err="1">
                 <a:latin typeface="Lucida Console" panose="020B0609040504020204" pitchFamily="49" charset="0"/>
               </a:rPr>
               <a:t>Runtime.CheckWitness</a:t>
             </a:r>
             <a:r>
-              <a:rPr lang="en-US" dirty="0">
+              <a:rPr lang="en-US" b="1" dirty="0">
                 <a:latin typeface="Lucida Console" panose="020B0609040504020204" pitchFamily="49" charset="0"/>
               </a:rPr>
               <a:t>(owner)) return false;</a:t>
@@ -7380,31 +7374,31 @@
               <a:buNone/>
             </a:pPr>
             <a:r>
-              <a:rPr lang="en-CA" dirty="0">
+              <a:rPr lang="en-CA" b="1" dirty="0">
                 <a:latin typeface="Lucida Console" panose="020B0609040504020204" pitchFamily="49" charset="0"/>
               </a:rPr>
               <a:t>    byte[] value = </a:t>
             </a:r>
             <a:r>
-              <a:rPr lang="en-CA" dirty="0" err="1">
+              <a:rPr lang="en-CA" b="1" dirty="0" err="1">
                 <a:latin typeface="Lucida Console" panose="020B0609040504020204" pitchFamily="49" charset="0"/>
               </a:rPr>
               <a:t>Storage.Get</a:t>
             </a:r>
             <a:r>
-              <a:rPr lang="en-CA" dirty="0">
+              <a:rPr lang="en-CA" b="1" dirty="0">
                 <a:latin typeface="Lucida Console" panose="020B0609040504020204" pitchFamily="49" charset="0"/>
               </a:rPr>
               <a:t>(</a:t>
             </a:r>
             <a:r>
-              <a:rPr lang="en-CA" dirty="0" err="1">
+              <a:rPr lang="en-CA" b="1" dirty="0" err="1">
                 <a:latin typeface="Lucida Console" panose="020B0609040504020204" pitchFamily="49" charset="0"/>
               </a:rPr>
               <a:t>Storage.CurrentContext</a:t>
             </a:r>
             <a:r>
-              <a:rPr lang="en-CA" dirty="0">
+              <a:rPr lang="en-CA" b="1" dirty="0">
                 <a:latin typeface="Lucida Console" panose="020B0609040504020204" pitchFamily="49" charset="0"/>
               </a:rPr>
               <a:t>, domain);</a:t>
@@ -7415,7 +7409,7 @@
               <a:buNone/>
             </a:pPr>
             <a:r>
-              <a:rPr lang="en-US" dirty="0">
+              <a:rPr lang="en-US" b="1" dirty="0">
                 <a:latin typeface="Lucida Console" panose="020B0609040504020204" pitchFamily="49" charset="0"/>
               </a:rPr>
               <a:t>    if (value != null) return false;</a:t>
@@ -7426,31 +7420,31 @@
               <a:buNone/>
             </a:pPr>
             <a:r>
-              <a:rPr lang="en-US" dirty="0">
+              <a:rPr lang="en-US" b="1" dirty="0">
                 <a:latin typeface="Lucida Console" panose="020B0609040504020204" pitchFamily="49" charset="0"/>
               </a:rPr>
               <a:t>    </a:t>
             </a:r>
             <a:r>
-              <a:rPr lang="en-US" dirty="0" err="1">
+              <a:rPr lang="en-US" b="1" dirty="0" err="1">
                 <a:latin typeface="Lucida Console" panose="020B0609040504020204" pitchFamily="49" charset="0"/>
               </a:rPr>
               <a:t>Storage.Put</a:t>
             </a:r>
             <a:r>
-              <a:rPr lang="en-US" dirty="0">
+              <a:rPr lang="en-US" b="1" dirty="0">
                 <a:latin typeface="Lucida Console" panose="020B0609040504020204" pitchFamily="49" charset="0"/>
               </a:rPr>
               <a:t>(</a:t>
             </a:r>
             <a:r>
-              <a:rPr lang="en-US" dirty="0" err="1">
+              <a:rPr lang="en-US" b="1" dirty="0" err="1">
                 <a:latin typeface="Lucida Console" panose="020B0609040504020204" pitchFamily="49" charset="0"/>
               </a:rPr>
               <a:t>Storage.CurrentContext</a:t>
             </a:r>
             <a:r>
-              <a:rPr lang="en-US" dirty="0">
+              <a:rPr lang="en-US" b="1" dirty="0">
                 <a:latin typeface="Lucida Console" panose="020B0609040504020204" pitchFamily="49" charset="0"/>
               </a:rPr>
               <a:t>, domain, owner);</a:t>
@@ -7461,7 +7455,7 @@
               <a:buNone/>
             </a:pPr>
             <a:r>
-              <a:rPr lang="en-CA" dirty="0">
+              <a:rPr lang="en-CA" b="1" dirty="0">
                 <a:latin typeface="Lucida Console" panose="020B0609040504020204" pitchFamily="49" charset="0"/>
               </a:rPr>
               <a:t>    return true;</a:t>
@@ -7472,24 +7466,79 @@
               <a:buNone/>
             </a:pPr>
             <a:r>
-              <a:rPr lang="en-CA" dirty="0">
+              <a:rPr lang="en-CA" b="1" dirty="0">
                 <a:latin typeface="Lucida Console" panose="020B0609040504020204" pitchFamily="49" charset="0"/>
               </a:rPr>
               <a:t>}</a:t>
             </a:r>
           </a:p>
           <a:p>
-            <a:pPr marL="0" indent="0">
-              <a:buNone/>
-            </a:pPr>
-            <a:endParaRPr lang="en-CA" dirty="0">
-              <a:latin typeface="Lucida Console" panose="020B0609040504020204" pitchFamily="49" charset="0"/>
-            </a:endParaRPr>
-          </a:p>
-          <a:p>
-            <a:pPr marL="0" indent="0">
-              <a:buNone/>
-            </a:pPr>
+            <a:r>
+              <a:rPr lang="en-CA" dirty="0"/>
+              <a:t>The semantics of the </a:t>
+            </a:r>
+            <a:r>
+              <a:rPr lang="en-CA" b="1" dirty="0" err="1">
+                <a:latin typeface="Lucida Console" panose="020B0609040504020204" pitchFamily="49" charset="0"/>
+              </a:rPr>
+              <a:t>CheckWitness</a:t>
+            </a:r>
+            <a:r>
+              <a:rPr lang="en-CA" b="1" dirty="0">
+                <a:latin typeface="Lucida Console" panose="020B0609040504020204" pitchFamily="49" charset="0"/>
+              </a:rPr>
+              <a:t>()</a:t>
+            </a:r>
+            <a:r>
+              <a:rPr lang="en-CA" b="1" dirty="0"/>
+              <a:t> </a:t>
+            </a:r>
+            <a:r>
+              <a:rPr lang="en-CA" dirty="0"/>
+              <a:t>call in the above </a:t>
+            </a:r>
+            <a:r>
+              <a:rPr lang="en-CA" b="1" dirty="0">
+                <a:latin typeface="Lucida Console" panose="020B0609040504020204" pitchFamily="49" charset="0"/>
+              </a:rPr>
+              <a:t>Register()</a:t>
+            </a:r>
+            <a:r>
+              <a:rPr lang="en-CA" b="1" dirty="0"/>
+              <a:t> </a:t>
+            </a:r>
+            <a:r>
+              <a:rPr lang="en-CA" dirty="0"/>
+              <a:t>function are: </a:t>
+            </a:r>
+          </a:p>
+          <a:p>
+            <a:pPr lvl="1"/>
+            <a:r>
+              <a:rPr lang="en-CA" dirty="0"/>
+              <a:t>If the caller doesn’t match the owner script hash passed into the function, </a:t>
+            </a:r>
+            <a:br>
+              <a:rPr lang="en-CA" dirty="0"/>
+            </a:br>
+            <a:r>
+              <a:rPr lang="en-CA" dirty="0"/>
+              <a:t>don’t let the caller register a domain in the name of this owner. </a:t>
+            </a:r>
+          </a:p>
+          <a:p>
+            <a:pPr lvl="1"/>
+            <a:r>
+              <a:rPr lang="en-CA" dirty="0"/>
+              <a:t>That is, only permit domains to be registered in the name of the caller.</a:t>
+            </a:r>
+          </a:p>
+          <a:p>
+            <a:pPr lvl="1"/>
+            <a:r>
+              <a:rPr lang="en-CA" dirty="0"/>
+              <a:t>Sample parameter value: </a:t>
+            </a:r>
             <a:r>
               <a:rPr lang="en-CA" dirty="0">
                 <a:latin typeface="Lucida Console" panose="020B0609040504020204" pitchFamily="49" charset="0"/>
@@ -7510,13 +7559,8 @@
             </a:r>
           </a:p>
           <a:p>
+            <a:pPr lvl="1"/>
             <a:endParaRPr lang="en-CA" dirty="0"/>
-          </a:p>
-          <a:p>
-            <a:r>
-              <a:rPr lang="en-CA" dirty="0"/>
-              <a:t> </a:t>
-            </a:r>
           </a:p>
           <a:p>
             <a:endParaRPr lang="en-CA" dirty="0"/>
@@ -7527,6 +7571,245 @@
     <p:extLst>
       <p:ext uri="{BB962C8B-B14F-4D97-AF65-F5344CB8AC3E}">
         <p14:creationId xmlns:p14="http://schemas.microsoft.com/office/powerpoint/2010/main" val="3524963186"/>
+      </p:ext>
+    </p:extLst>
+  </p:cSld>
+  <p:clrMapOvr>
+    <a:masterClrMapping/>
+  </p:clrMapOvr>
+</p:sld>
+</file>
+
+<file path=ppt/slides/slide18.xml><?xml version="1.0" encoding="utf-8"?>
+<p:sld xmlns:a="http://schemas.openxmlformats.org/drawingml/2006/main" xmlns:r="http://schemas.openxmlformats.org/officeDocument/2006/relationships" xmlns:p="http://schemas.openxmlformats.org/presentationml/2006/main">
+  <p:cSld>
+    <p:spTree>
+      <p:nvGrpSpPr>
+        <p:cNvPr id="1" name=""/>
+        <p:cNvGrpSpPr/>
+        <p:nvPr/>
+      </p:nvGrpSpPr>
+      <p:grpSpPr>
+        <a:xfrm>
+          <a:off x="0" y="0"/>
+          <a:ext cx="0" cy="0"/>
+          <a:chOff x="0" y="0"/>
+          <a:chExt cx="0" cy="0"/>
+        </a:xfrm>
+      </p:grpSpPr>
+      <p:sp>
+        <p:nvSpPr>
+          <p:cNvPr id="2" name="Title 1">
+            <a:extLst>
+              <a:ext uri="{FF2B5EF4-FFF2-40B4-BE49-F238E27FC236}">
+                <a16:creationId xmlns:a16="http://schemas.microsoft.com/office/drawing/2014/main" id="{574D8CDA-CCEF-4575-8323-1812F99D6810}"/>
+              </a:ext>
+            </a:extLst>
+          </p:cNvPr>
+          <p:cNvSpPr>
+            <a:spLocks noGrp="1"/>
+          </p:cNvSpPr>
+          <p:nvPr>
+            <p:ph type="title"/>
+          </p:nvPr>
+        </p:nvSpPr>
+        <p:spPr>
+          <a:xfrm>
+            <a:off x="677334" y="609600"/>
+            <a:ext cx="10944690" cy="1320800"/>
+          </a:xfrm>
+        </p:spPr>
+        <p:txBody>
+          <a:bodyPr/>
+          <a:lstStyle/>
+          <a:p>
+            <a:r>
+              <a:rPr lang="en-CA" dirty="0" err="1"/>
+              <a:t>VerifySignature</a:t>
+            </a:r>
+            <a:r>
+              <a:rPr lang="en-CA" dirty="0"/>
+              <a:t>(signature, </a:t>
+            </a:r>
+            <a:r>
+              <a:rPr lang="en-US" dirty="0" err="1"/>
+              <a:t>addressScriptHash</a:t>
+            </a:r>
+            <a:r>
+              <a:rPr lang="en-CA" dirty="0"/>
+              <a:t>)</a:t>
+            </a:r>
+          </a:p>
+        </p:txBody>
+      </p:sp>
+      <p:sp>
+        <p:nvSpPr>
+          <p:cNvPr id="3" name="Content Placeholder 2">
+            <a:extLst>
+              <a:ext uri="{FF2B5EF4-FFF2-40B4-BE49-F238E27FC236}">
+                <a16:creationId xmlns:a16="http://schemas.microsoft.com/office/drawing/2014/main" id="{717820F4-20A8-43A1-B88D-187FB512599A}"/>
+              </a:ext>
+            </a:extLst>
+          </p:cNvPr>
+          <p:cNvSpPr>
+            <a:spLocks noGrp="1"/>
+          </p:cNvSpPr>
+          <p:nvPr>
+            <p:ph idx="1"/>
+          </p:nvPr>
+        </p:nvSpPr>
+        <p:spPr>
+          <a:xfrm>
+            <a:off x="677334" y="1618489"/>
+            <a:ext cx="9362778" cy="4892040"/>
+          </a:xfrm>
+        </p:spPr>
+        <p:txBody>
+          <a:bodyPr>
+            <a:normAutofit lnSpcReduction="10000"/>
+          </a:bodyPr>
+          <a:lstStyle/>
+          <a:p>
+            <a:r>
+              <a:rPr lang="en-US" dirty="0" err="1">
+                <a:latin typeface="Lucida Console" panose="020B0609040504020204" pitchFamily="49" charset="0"/>
+              </a:rPr>
+              <a:t>VerifySignature</a:t>
+            </a:r>
+            <a:r>
+              <a:rPr lang="en-US" dirty="0">
+                <a:latin typeface="Lucida Console" panose="020B0609040504020204" pitchFamily="49" charset="0"/>
+              </a:rPr>
+              <a:t>(signature, </a:t>
+            </a:r>
+            <a:r>
+              <a:rPr lang="en-US" dirty="0" err="1">
+                <a:latin typeface="Lucida Console" panose="020B0609040504020204" pitchFamily="49" charset="0"/>
+              </a:rPr>
+              <a:t>addressScriptHash</a:t>
+            </a:r>
+            <a:r>
+              <a:rPr lang="en-US" dirty="0">
+                <a:latin typeface="Lucida Console" panose="020B0609040504020204" pitchFamily="49" charset="0"/>
+              </a:rPr>
+              <a:t>) </a:t>
+            </a:r>
+            <a:r>
+              <a:rPr lang="en-US" dirty="0"/>
+              <a:t>is a common method in several crypto libraries.</a:t>
+            </a:r>
+          </a:p>
+          <a:p>
+            <a:r>
+              <a:rPr lang="en-US" dirty="0"/>
+              <a:t>Here’s a one example (with a code sample):</a:t>
+            </a:r>
+          </a:p>
+          <a:p>
+            <a:pPr lvl="1"/>
+            <a:r>
+              <a:rPr lang="en-US" dirty="0">
+                <a:hlinkClick r:id="rId2"/>
+              </a:rPr>
+              <a:t>https://msdn.microsoft.com/en-us/library/0h05c7e2(v=vs.110).aspx</a:t>
+            </a:r>
+            <a:endParaRPr lang="en-US" dirty="0"/>
+          </a:p>
+          <a:p>
+            <a:r>
+              <a:rPr lang="en-US" dirty="0"/>
+              <a:t>The general semantics are:</a:t>
+            </a:r>
+          </a:p>
+          <a:p>
+            <a:pPr lvl="1"/>
+            <a:r>
+              <a:rPr lang="en-US" dirty="0"/>
+              <a:t>Verify a (digital) signature still matches the specific hash for some specific data (array of bytes)</a:t>
+            </a:r>
+          </a:p>
+          <a:p>
+            <a:pPr lvl="1"/>
+            <a:r>
+              <a:rPr lang="en-US" dirty="0"/>
+              <a:t>That is, has the underlying data (and hence, the computed hash) been altered since the signature of the original hash was calculated. </a:t>
+            </a:r>
+          </a:p>
+          <a:p>
+            <a:pPr lvl="1"/>
+            <a:r>
+              <a:rPr lang="en-US" dirty="0"/>
+              <a:t>…the essence of what a digital signature is</a:t>
+            </a:r>
+          </a:p>
+          <a:p>
+            <a:r>
+              <a:rPr lang="en-CA" dirty="0"/>
+              <a:t>On the NEO platform, if the </a:t>
+            </a:r>
+            <a:r>
+              <a:rPr lang="en-CA" dirty="0" err="1">
+                <a:latin typeface="Lucida Console" panose="020B0609040504020204" pitchFamily="49" charset="0"/>
+              </a:rPr>
+              <a:t>addressScriptHash</a:t>
+            </a:r>
+            <a:r>
+              <a:rPr lang="en-CA" dirty="0"/>
+              <a:t> is hardcoded in the smart contract (similar to the line of code at the bottom of the previous slide), </a:t>
+            </a:r>
+            <a:r>
+              <a:rPr lang="en-CA" dirty="0" err="1">
+                <a:latin typeface="Lucida Console" panose="020B0609040504020204" pitchFamily="49" charset="0"/>
+              </a:rPr>
+              <a:t>VerifySignature</a:t>
+            </a:r>
+            <a:r>
+              <a:rPr lang="en-CA" dirty="0">
+                <a:latin typeface="Lucida Console" panose="020B0609040504020204" pitchFamily="49" charset="0"/>
+              </a:rPr>
+              <a:t>() </a:t>
+            </a:r>
+            <a:r>
+              <a:rPr lang="en-CA" dirty="0"/>
+              <a:t>can used to verify that the </a:t>
+            </a:r>
+            <a:r>
+              <a:rPr lang="en-CA" dirty="0">
+                <a:latin typeface="Lucida Console" panose="020B0609040504020204" pitchFamily="49" charset="0"/>
+              </a:rPr>
+              <a:t>signature</a:t>
+            </a:r>
+            <a:r>
+              <a:rPr lang="en-CA" dirty="0"/>
+              <a:t> passed in by the caller is valid …that is, that they have the signature needed to validate the hardcoded </a:t>
+            </a:r>
+            <a:r>
+              <a:rPr lang="en-CA" dirty="0" err="1">
+                <a:latin typeface="Lucida Console" panose="020B0609040504020204" pitchFamily="49" charset="0"/>
+              </a:rPr>
+              <a:t>addressScriptHash</a:t>
+            </a:r>
+            <a:r>
+              <a:rPr lang="en-CA" dirty="0"/>
+              <a:t> (and have the correct/matching </a:t>
+            </a:r>
+            <a:r>
+              <a:rPr lang="en-CA" dirty="0">
+                <a:latin typeface="Lucida Console" panose="020B0609040504020204" pitchFamily="49" charset="0"/>
+              </a:rPr>
+              <a:t>signature</a:t>
+            </a:r>
+            <a:r>
+              <a:rPr lang="en-CA" dirty="0"/>
+              <a:t> for it) TODO</a:t>
+            </a:r>
+          </a:p>
+        </p:txBody>
+      </p:sp>
+    </p:spTree>
+    <p:extLst>
+      <p:ext uri="{BB962C8B-B14F-4D97-AF65-F5344CB8AC3E}">
+        <p14:creationId xmlns:p14="http://schemas.microsoft.com/office/powerpoint/2010/main" val="4290469435"/>
       </p:ext>
     </p:extLst>
   </p:cSld>

--- a/windocs/windocs-presentations/Debugging NEO Accounts and Addresses-20180216 v0.1.pptx
+++ b/windocs/windocs-presentations/Debugging NEO Accounts and Addresses-20180216 v0.1.pptx
@@ -214,7 +214,7 @@
           <a:p>
             <a:fld id="{38B90DEF-B49A-4C32-BF69-0FB0639AEFC4}" type="datetimeFigureOut">
               <a:rPr lang="en-CA" smtClean="0"/>
-              <a:t>2018-02-17</a:t>
+              <a:t>2018-02-18</a:t>
             </a:fld>
             <a:endParaRPr lang="en-CA"/>
           </a:p>
@@ -1204,7 +1204,7 @@
           <a:p>
             <a:fld id="{850F4645-0C93-4E14-B78E-0194D21706FC}" type="datetimeFigureOut">
               <a:rPr lang="en-CA" smtClean="0"/>
-              <a:t>2018-02-17</a:t>
+              <a:t>2018-02-18</a:t>
             </a:fld>
             <a:endParaRPr lang="en-CA"/>
           </a:p>
@@ -1496,7 +1496,7 @@
           <a:p>
             <a:fld id="{850F4645-0C93-4E14-B78E-0194D21706FC}" type="datetimeFigureOut">
               <a:rPr lang="en-CA" smtClean="0"/>
-              <a:t>2018-02-17</a:t>
+              <a:t>2018-02-18</a:t>
             </a:fld>
             <a:endParaRPr lang="en-CA"/>
           </a:p>
@@ -1810,7 +1810,7 @@
           <a:p>
             <a:fld id="{850F4645-0C93-4E14-B78E-0194D21706FC}" type="datetimeFigureOut">
               <a:rPr lang="en-CA" smtClean="0"/>
-              <a:t>2018-02-17</a:t>
+              <a:t>2018-02-18</a:t>
             </a:fld>
             <a:endParaRPr lang="en-CA"/>
           </a:p>
@@ -2133,7 +2133,7 @@
           <a:p>
             <a:fld id="{850F4645-0C93-4E14-B78E-0194D21706FC}" type="datetimeFigureOut">
               <a:rPr lang="en-CA" smtClean="0"/>
-              <a:t>2018-02-17</a:t>
+              <a:t>2018-02-18</a:t>
             </a:fld>
             <a:endParaRPr lang="en-CA"/>
           </a:p>
@@ -2447,7 +2447,7 @@
           <a:p>
             <a:fld id="{850F4645-0C93-4E14-B78E-0194D21706FC}" type="datetimeFigureOut">
               <a:rPr lang="en-CA" smtClean="0"/>
-              <a:t>2018-02-17</a:t>
+              <a:t>2018-02-18</a:t>
             </a:fld>
             <a:endParaRPr lang="en-CA"/>
           </a:p>
@@ -2834,7 +2834,7 @@
           <a:p>
             <a:fld id="{850F4645-0C93-4E14-B78E-0194D21706FC}" type="datetimeFigureOut">
               <a:rPr lang="en-CA" smtClean="0"/>
-              <a:t>2018-02-17</a:t>
+              <a:t>2018-02-18</a:t>
             </a:fld>
             <a:endParaRPr lang="en-CA"/>
           </a:p>
@@ -3004,7 +3004,7 @@
           <a:p>
             <a:fld id="{850F4645-0C93-4E14-B78E-0194D21706FC}" type="datetimeFigureOut">
               <a:rPr lang="en-CA" smtClean="0"/>
-              <a:t>2018-02-17</a:t>
+              <a:t>2018-02-18</a:t>
             </a:fld>
             <a:endParaRPr lang="en-CA"/>
           </a:p>
@@ -3184,7 +3184,7 @@
           <a:p>
             <a:fld id="{850F4645-0C93-4E14-B78E-0194D21706FC}" type="datetimeFigureOut">
               <a:rPr lang="en-CA" smtClean="0"/>
-              <a:t>2018-02-17</a:t>
+              <a:t>2018-02-18</a:t>
             </a:fld>
             <a:endParaRPr lang="en-CA"/>
           </a:p>
@@ -3360,7 +3360,7 @@
           <a:p>
             <a:fld id="{850F4645-0C93-4E14-B78E-0194D21706FC}" type="datetimeFigureOut">
               <a:rPr lang="en-CA" smtClean="0"/>
-              <a:t>2018-02-17</a:t>
+              <a:t>2018-02-18</a:t>
             </a:fld>
             <a:endParaRPr lang="en-CA"/>
           </a:p>
@@ -3607,7 +3607,7 @@
           <a:p>
             <a:fld id="{850F4645-0C93-4E14-B78E-0194D21706FC}" type="datetimeFigureOut">
               <a:rPr lang="en-CA" smtClean="0"/>
-              <a:t>2018-02-17</a:t>
+              <a:t>2018-02-18</a:t>
             </a:fld>
             <a:endParaRPr lang="en-CA"/>
           </a:p>
@@ -3839,7 +3839,7 @@
           <a:p>
             <a:fld id="{850F4645-0C93-4E14-B78E-0194D21706FC}" type="datetimeFigureOut">
               <a:rPr lang="en-CA" smtClean="0"/>
-              <a:t>2018-02-17</a:t>
+              <a:t>2018-02-18</a:t>
             </a:fld>
             <a:endParaRPr lang="en-CA"/>
           </a:p>
@@ -4213,7 +4213,7 @@
           <a:p>
             <a:fld id="{850F4645-0C93-4E14-B78E-0194D21706FC}" type="datetimeFigureOut">
               <a:rPr lang="en-CA" smtClean="0"/>
-              <a:t>2018-02-17</a:t>
+              <a:t>2018-02-18</a:t>
             </a:fld>
             <a:endParaRPr lang="en-CA"/>
           </a:p>
@@ -4336,7 +4336,7 @@
           <a:p>
             <a:fld id="{850F4645-0C93-4E14-B78E-0194D21706FC}" type="datetimeFigureOut">
               <a:rPr lang="en-CA" smtClean="0"/>
-              <a:t>2018-02-17</a:t>
+              <a:t>2018-02-18</a:t>
             </a:fld>
             <a:endParaRPr lang="en-CA"/>
           </a:p>
@@ -4431,7 +4431,7 @@
           <a:p>
             <a:fld id="{850F4645-0C93-4E14-B78E-0194D21706FC}" type="datetimeFigureOut">
               <a:rPr lang="en-CA" smtClean="0"/>
-              <a:t>2018-02-17</a:t>
+              <a:t>2018-02-18</a:t>
             </a:fld>
             <a:endParaRPr lang="en-CA"/>
           </a:p>
@@ -4686,7 +4686,7 @@
           <a:p>
             <a:fld id="{850F4645-0C93-4E14-B78E-0194D21706FC}" type="datetimeFigureOut">
               <a:rPr lang="en-CA" smtClean="0"/>
-              <a:t>2018-02-17</a:t>
+              <a:t>2018-02-18</a:t>
             </a:fld>
             <a:endParaRPr lang="en-CA"/>
           </a:p>
@@ -4949,7 +4949,7 @@
           <a:p>
             <a:fld id="{850F4645-0C93-4E14-B78E-0194D21706FC}" type="datetimeFigureOut">
               <a:rPr lang="en-CA" smtClean="0"/>
-              <a:t>2018-02-17</a:t>
+              <a:t>2018-02-18</a:t>
             </a:fld>
             <a:endParaRPr lang="en-CA"/>
           </a:p>
@@ -5692,7 +5692,7 @@
           <a:p>
             <a:fld id="{850F4645-0C93-4E14-B78E-0194D21706FC}" type="datetimeFigureOut">
               <a:rPr lang="en-CA" smtClean="0"/>
-              <a:t>2018-02-17</a:t>
+              <a:t>2018-02-18</a:t>
             </a:fld>
             <a:endParaRPr lang="en-CA"/>
           </a:p>
@@ -6590,20 +6590,20 @@
             <p:ph type="title"/>
           </p:nvPr>
         </p:nvSpPr>
-        <p:spPr/>
+        <p:spPr>
+          <a:xfrm>
+            <a:off x="677334" y="609600"/>
+            <a:ext cx="11081850" cy="1320800"/>
+          </a:xfrm>
+        </p:spPr>
         <p:txBody>
           <a:bodyPr/>
           <a:lstStyle/>
           <a:p>
             <a:r>
               <a:rPr lang="en-CA" dirty="0"/>
-              <a:t>Account Address, Keys and Key </a:t>
-            </a:r>
-            <a:r>
-              <a:rPr lang="en-CA" dirty="0" err="1"/>
-              <a:t>Lenghts</a:t>
-            </a:r>
-            <a:endParaRPr lang="en-CA" dirty="0"/>
+              <a:t>NEO Account Addresses, Keys and Key Lengths</a:t>
+            </a:r>
           </a:p>
         </p:txBody>
       </p:sp>
@@ -6625,43 +6625,89 @@
         </p:nvSpPr>
         <p:spPr>
           <a:xfrm>
-            <a:off x="677334" y="2160589"/>
-            <a:ext cx="11383602" cy="4087811"/>
+            <a:off x="677334" y="1463041"/>
+            <a:ext cx="11383602" cy="4968240"/>
           </a:xfrm>
         </p:spPr>
         <p:txBody>
           <a:bodyPr>
-            <a:normAutofit fontScale="85000" lnSpcReduction="20000"/>
+            <a:normAutofit fontScale="92500" lnSpcReduction="20000"/>
           </a:bodyPr>
           <a:lstStyle/>
           <a:p>
             <a:r>
+              <a:rPr lang="en-CA" b="1" dirty="0"/>
+              <a:t>Description			Length (Bin/Hex)			Examples (Bold Lengths)</a:t>
+            </a:r>
+          </a:p>
+          <a:p>
+            <a:r>
               <a:rPr lang="en-CA" dirty="0"/>
-              <a:t>WIF1					(52) L3f7C21q4Mu5FzZsDuCMeHqwJ1apHYCrwzU2821p1opaM43BAMKo</a:t>
-            </a:r>
-          </a:p>
-          <a:p>
+              <a:t>WIF1					(</a:t>
+            </a:r>
+            <a:r>
+              <a:rPr lang="en-CA" b="1" dirty="0"/>
+              <a:t>52</a:t>
+            </a:r>
             <a:r>
               <a:rPr lang="en-CA" dirty="0"/>
-              <a:t>WIF1Address			(34) AcCHoikUq9cP6SMESHufCEMwADJNcTwnAv</a:t>
+              <a:t>/104)	L3f7C21q4Mu5FzZsDuCMeHqwJ1apHYCrwzU2821p1opaM43BAMKo</a:t>
             </a:r>
           </a:p>
           <a:p>
             <a:r>
               <a:rPr lang="en-CA" dirty="0"/>
-              <a:t>WIF1PublicKeyHex		(66) 02c44534465c8b21f659eba5708e69edae1ddd6f8cd63004095f8e39493cf54e82</a:t>
+              <a:t>WIF1Address			(</a:t>
+            </a:r>
+            <a:r>
+              <a:rPr lang="en-CA" b="1" dirty="0"/>
+              <a:t>34</a:t>
+            </a:r>
+            <a:r>
+              <a:rPr lang="en-CA" dirty="0"/>
+              <a:t>/68)	AcCHoikUq9cP6SMESHufCEMwADJNcTwnAv</a:t>
+            </a:r>
+          </a:p>
+          <a:p>
+            <a:r>
+              <a:rPr lang="en-CA" dirty="0"/>
+              <a:t>WIF1PublicKeyHex		(33/</a:t>
+            </a:r>
+            <a:r>
+              <a:rPr lang="en-CA" b="1" dirty="0"/>
+              <a:t>66</a:t>
+            </a:r>
+            <a:r>
+              <a:rPr lang="en-CA" dirty="0"/>
+              <a:t>)	02c44534465c8b21f659eba5708e69edae1ddd6f8cd63004095f8e39493cf54e82</a:t>
             </a:r>
           </a:p>
           <a:p>
             <a:r>
               <a:rPr lang="en-US" dirty="0"/>
-              <a:t>WIF1PrivateKeyHex		(64) c016e1c8a193cc1a28a15464106b91b52727547a3a36f40a8bfebd9933d1963c</a:t>
+              <a:t>WIF1PrivateKeyHex		(32/</a:t>
+            </a:r>
+            <a:r>
+              <a:rPr lang="en-US" b="1" dirty="0"/>
+              <a:t>64</a:t>
+            </a:r>
+            <a:r>
+              <a:rPr lang="en-US" dirty="0"/>
+              <a:t>)	c016e1c8a193cc1a28a15464106b91b52727547a3a36f40a8bfebd9933d1963c</a:t>
             </a:r>
           </a:p>
           <a:p>
             <a:r>
               <a:rPr lang="en-CA" dirty="0"/>
-              <a:t>WIF1AddressScriptHash	(20) e000aa6a0ab08af8aa78b19d481e5b5c40d8be0e</a:t>
+              <a:t>WIF1AddressScriptHash	(20/</a:t>
+            </a:r>
+            <a:r>
+              <a:rPr lang="en-CA" b="1" dirty="0"/>
+              <a:t>40</a:t>
+            </a:r>
+            <a:r>
+              <a:rPr lang="en-CA" dirty="0"/>
+              <a:t>)	e000aa6a0ab08af8aa78b19d481e5b5c40d8be0e</a:t>
             </a:r>
           </a:p>
           <a:p>
@@ -6673,31 +6719,71 @@
           <a:p>
             <a:r>
               <a:rPr lang="en-CA" dirty="0"/>
-              <a:t>WIF2					(52) KxDgvEKzgSBPPfuVfw67oPQBSjidEiqTHURKSDL1R7yGaGYAeYnr</a:t>
-            </a:r>
-          </a:p>
-          <a:p>
+              <a:t>WIF2					(</a:t>
+            </a:r>
+            <a:r>
+              <a:rPr lang="en-CA" b="1" dirty="0"/>
+              <a:t>52</a:t>
+            </a:r>
             <a:r>
               <a:rPr lang="en-CA" dirty="0"/>
-              <a:t>WIF2Address			(34) AK2nJJpJr6o664CWJKi1QRXjqeic2zRp8y</a:t>
+              <a:t>/104)	KxDgvEKzgSBPPfuVfw67oPQBSjidEiqTHURKSDL1R7yGaGYAeYnr</a:t>
+            </a:r>
+          </a:p>
+          <a:p>
+            <a:r>
+              <a:rPr lang="en-CA" dirty="0"/>
+              <a:t>WIF2Address			(</a:t>
+            </a:r>
+            <a:r>
+              <a:rPr lang="en-CA" b="1" dirty="0"/>
+              <a:t>34</a:t>
+            </a:r>
+            <a:r>
+              <a:rPr lang="en-CA" dirty="0"/>
+              <a:t>/68)	AK2nJJpJr6o664CWJKi1QRXjqeic2zRp8y</a:t>
             </a:r>
           </a:p>
           <a:p>
             <a:r>
               <a:rPr lang="en-US" dirty="0"/>
-              <a:t>WIF2PublicKeyHex		(66) 031a6c6fbbdf02ca351745fa86b9ba5a9452d785ac4f7fc2b7548ca2a46c4fcf4a</a:t>
+              <a:t>WIF2PublicKeyHex		(33/</a:t>
+            </a:r>
+            <a:r>
+              <a:rPr lang="en-US" b="1" dirty="0"/>
+              <a:t>66</a:t>
+            </a:r>
+            <a:r>
+              <a:rPr lang="en-US" dirty="0"/>
+              <a:t>)	031a6c6fbbdf02ca351745fa86b9ba5a9452d785ac4f7fc2b7548ca2a46c4fcf4a</a:t>
             </a:r>
           </a:p>
           <a:p>
             <a:r>
               <a:rPr lang="en-CA" dirty="0"/>
-              <a:t>WIF2PrivateKeyHex		(64) 1dd37fba80fec4e6a6f13fd708d8dcb3b29def768017052f6c930fa1c5d90bbb</a:t>
-            </a:r>
-          </a:p>
-          <a:p>
+              <a:t>WIF2PrivateKeyHex		(32/</a:t>
+            </a:r>
+            <a:r>
+              <a:rPr lang="en-CA" b="1" dirty="0"/>
+              <a:t>64</a:t>
+            </a:r>
             <a:r>
               <a:rPr lang="en-CA" dirty="0"/>
-              <a:t>WIF2AddressScriptHash	(20) 23ba2703c53263e8d6e522dc32203339dcd8eee9</a:t>
+              <a:t>)	1dd37fba80fec4e6a6f13fd708d8dcb3b29def768017052f6c930fa1c5d90bbb</a:t>
+            </a:r>
+          </a:p>
+          <a:p>
+            <a:r>
+              <a:rPr lang="en-CA" dirty="0"/>
+              <a:t>WIF2AddressScriptHash	(20/</a:t>
+            </a:r>
+            <a:r>
+              <a:rPr lang="en-CA" b="1" dirty="0"/>
+              <a:t>40</a:t>
+            </a:r>
+            <a:r>
+              <a:rPr lang="en-CA" dirty="0"/>
+              <a:t>)	23ba2703c53263e8d6e522dc32203339dcd8eee9</a:t>
             </a:r>
           </a:p>
           <a:p>
@@ -6710,7 +6796,23 @@
             </a:r>
             <a:r>
               <a:rPr lang="en-CA" dirty="0"/>
-              <a:t>					(64) 687b68a1159429dc558e4fc7590e391d52f1ef79a12922f941daa37c00334ec5</a:t>
+              <a:t>, </a:t>
+            </a:r>
+            <a:r>
+              <a:rPr lang="en-CA" dirty="0" err="1"/>
+              <a:t>AssetID</a:t>
+            </a:r>
+            <a:r>
+              <a:rPr lang="en-CA" dirty="0"/>
+              <a:t>			(32/</a:t>
+            </a:r>
+            <a:r>
+              <a:rPr lang="en-CA" b="1" dirty="0"/>
+              <a:t>64</a:t>
+            </a:r>
+            <a:r>
+              <a:rPr lang="en-CA" dirty="0"/>
+              <a:t>)	687b68a1159429dc558e4fc7590e391d52f1ef79a12922f941daa37c00334ec5</a:t>
             </a:r>
           </a:p>
         </p:txBody>

--- a/windocs/windocs-presentations/Debugging NEO Accounts and Addresses-20180216 v0.1.pptx
+++ b/windocs/windocs-presentations/Debugging NEO Accounts and Addresses-20180216 v0.1.pptx
@@ -1,6 +1,6 @@
 
 <file path=ppt/presentation.xml><?xml version="1.0" encoding="utf-8"?>
-<p:presentation xmlns:a="http://schemas.openxmlformats.org/drawingml/2006/main" xmlns:r="http://schemas.openxmlformats.org/officeDocument/2006/relationships" xmlns:p="http://schemas.openxmlformats.org/presentationml/2006/main" saveSubsetFonts="1">
+<p:presentation xmlns:a="http://schemas.openxmlformats.org/drawingml/2006/main" xmlns:r="http://schemas.openxmlformats.org/officeDocument/2006/relationships" xmlns:p="http://schemas.openxmlformats.org/presentationml/2006/main" showSpecialPlsOnTitleSld="0" saveSubsetFonts="1">
   <p:sldMasterIdLst>
     <p:sldMasterId id="2147483660" r:id="rId1"/>
   </p:sldMasterIdLst>
@@ -1202,7 +1202,7 @@
           <a:bodyPr/>
           <a:lstStyle/>
           <a:p>
-            <a:fld id="{850F4645-0C93-4E14-B78E-0194D21706FC}" type="datetimeFigureOut">
+            <a:fld id="{5A06C956-D2D2-4E46-9E00-DE5CCAF63712}" type="datetime1">
               <a:rPr lang="en-CA" smtClean="0"/>
               <a:t>2018-02-18</a:t>
             </a:fld>
@@ -1230,6 +1230,10 @@
           <a:bodyPr/>
           <a:lstStyle/>
           <a:p>
+            <a:r>
+              <a:rPr lang="en-CA"/>
+              <a:t>mwherman2000/neo-windocs</a:t>
+            </a:r>
             <a:endParaRPr lang="en-CA" dirty="0"/>
           </a:p>
         </p:txBody>
@@ -1494,7 +1498,7 @@
           <a:bodyPr/>
           <a:lstStyle/>
           <a:p>
-            <a:fld id="{850F4645-0C93-4E14-B78E-0194D21706FC}" type="datetimeFigureOut">
+            <a:fld id="{473C16C3-E522-4309-9F74-1BAED254C440}" type="datetime1">
               <a:rPr lang="en-CA" smtClean="0"/>
               <a:t>2018-02-18</a:t>
             </a:fld>
@@ -1517,7 +1521,10 @@
           <a:bodyPr/>
           <a:lstStyle/>
           <a:p>
-            <a:endParaRPr lang="en-CA"/>
+            <a:r>
+              <a:rPr lang="en-CA"/>
+              <a:t>mwherman2000/neo-windocs</a:t>
+            </a:r>
           </a:p>
         </p:txBody>
       </p:sp>
@@ -1808,7 +1815,7 @@
           <a:bodyPr/>
           <a:lstStyle/>
           <a:p>
-            <a:fld id="{850F4645-0C93-4E14-B78E-0194D21706FC}" type="datetimeFigureOut">
+            <a:fld id="{6C6BE0BA-7C3A-4142-991F-56960E65C942}" type="datetime1">
               <a:rPr lang="en-CA" smtClean="0"/>
               <a:t>2018-02-18</a:t>
             </a:fld>
@@ -1831,7 +1838,10 @@
           <a:bodyPr/>
           <a:lstStyle/>
           <a:p>
-            <a:endParaRPr lang="en-CA"/>
+            <a:r>
+              <a:rPr lang="en-CA"/>
+              <a:t>mwherman2000/neo-windocs</a:t>
+            </a:r>
           </a:p>
         </p:txBody>
       </p:sp>
@@ -2131,7 +2141,7 @@
           <a:bodyPr/>
           <a:lstStyle/>
           <a:p>
-            <a:fld id="{850F4645-0C93-4E14-B78E-0194D21706FC}" type="datetimeFigureOut">
+            <a:fld id="{0B781205-46D3-4367-A0EE-2D1376EAAC90}" type="datetime1">
               <a:rPr lang="en-CA" smtClean="0"/>
               <a:t>2018-02-18</a:t>
             </a:fld>
@@ -2154,7 +2164,10 @@
           <a:bodyPr/>
           <a:lstStyle/>
           <a:p>
-            <a:endParaRPr lang="en-CA"/>
+            <a:r>
+              <a:rPr lang="en-CA"/>
+              <a:t>mwherman2000/neo-windocs</a:t>
+            </a:r>
           </a:p>
         </p:txBody>
       </p:sp>
@@ -2445,7 +2458,7 @@
           <a:bodyPr/>
           <a:lstStyle/>
           <a:p>
-            <a:fld id="{850F4645-0C93-4E14-B78E-0194D21706FC}" type="datetimeFigureOut">
+            <a:fld id="{4F953609-A642-491E-B3E1-677F48133A89}" type="datetime1">
               <a:rPr lang="en-CA" smtClean="0"/>
               <a:t>2018-02-18</a:t>
             </a:fld>
@@ -2468,7 +2481,10 @@
           <a:bodyPr/>
           <a:lstStyle/>
           <a:p>
-            <a:endParaRPr lang="en-CA"/>
+            <a:r>
+              <a:rPr lang="en-CA"/>
+              <a:t>mwherman2000/neo-windocs</a:t>
+            </a:r>
           </a:p>
         </p:txBody>
       </p:sp>
@@ -2832,7 +2848,7 @@
           <a:bodyPr/>
           <a:lstStyle/>
           <a:p>
-            <a:fld id="{850F4645-0C93-4E14-B78E-0194D21706FC}" type="datetimeFigureOut">
+            <a:fld id="{5796B025-D22D-4614-9BCD-B2A80D7F001B}" type="datetime1">
               <a:rPr lang="en-CA" smtClean="0"/>
               <a:t>2018-02-18</a:t>
             </a:fld>
@@ -2855,7 +2871,10 @@
           <a:bodyPr/>
           <a:lstStyle/>
           <a:p>
-            <a:endParaRPr lang="en-CA"/>
+            <a:r>
+              <a:rPr lang="en-CA"/>
+              <a:t>mwherman2000/neo-windocs</a:t>
+            </a:r>
           </a:p>
         </p:txBody>
       </p:sp>
@@ -3002,7 +3021,7 @@
           <a:bodyPr/>
           <a:lstStyle/>
           <a:p>
-            <a:fld id="{850F4645-0C93-4E14-B78E-0194D21706FC}" type="datetimeFigureOut">
+            <a:fld id="{80591241-5952-4ABD-8BC3-A8DDE981FCB6}" type="datetime1">
               <a:rPr lang="en-CA" smtClean="0"/>
               <a:t>2018-02-18</a:t>
             </a:fld>
@@ -3025,7 +3044,10 @@
           <a:bodyPr/>
           <a:lstStyle/>
           <a:p>
-            <a:endParaRPr lang="en-CA"/>
+            <a:r>
+              <a:rPr lang="en-CA"/>
+              <a:t>mwherman2000/neo-windocs</a:t>
+            </a:r>
           </a:p>
         </p:txBody>
       </p:sp>
@@ -3182,7 +3204,7 @@
           <a:bodyPr/>
           <a:lstStyle/>
           <a:p>
-            <a:fld id="{850F4645-0C93-4E14-B78E-0194D21706FC}" type="datetimeFigureOut">
+            <a:fld id="{D06C608E-E36A-4712-BD06-0625052E03A2}" type="datetime1">
               <a:rPr lang="en-CA" smtClean="0"/>
               <a:t>2018-02-18</a:t>
             </a:fld>
@@ -3205,7 +3227,10 @@
           <a:bodyPr/>
           <a:lstStyle/>
           <a:p>
-            <a:endParaRPr lang="en-CA"/>
+            <a:r>
+              <a:rPr lang="en-CA"/>
+              <a:t>mwherman2000/neo-windocs</a:t>
+            </a:r>
           </a:p>
         </p:txBody>
       </p:sp>
@@ -3358,7 +3383,7 @@
           <a:bodyPr/>
           <a:lstStyle/>
           <a:p>
-            <a:fld id="{850F4645-0C93-4E14-B78E-0194D21706FC}" type="datetimeFigureOut">
+            <a:fld id="{A7689452-8C12-42F6-9104-A9669BB1BEAD}" type="datetime1">
               <a:rPr lang="en-CA" smtClean="0"/>
               <a:t>2018-02-18</a:t>
             </a:fld>
@@ -3381,7 +3406,10 @@
           <a:bodyPr/>
           <a:lstStyle/>
           <a:p>
-            <a:endParaRPr lang="en-CA"/>
+            <a:r>
+              <a:rPr lang="en-CA"/>
+              <a:t>mwherman2000/neo-windocs</a:t>
+            </a:r>
           </a:p>
         </p:txBody>
       </p:sp>
@@ -3605,7 +3633,7 @@
           <a:bodyPr/>
           <a:lstStyle/>
           <a:p>
-            <a:fld id="{850F4645-0C93-4E14-B78E-0194D21706FC}" type="datetimeFigureOut">
+            <a:fld id="{AA473FFA-2A94-4601-97CA-FAD58DA7BBC6}" type="datetime1">
               <a:rPr lang="en-CA" smtClean="0"/>
               <a:t>2018-02-18</a:t>
             </a:fld>
@@ -3628,7 +3656,10 @@
           <a:bodyPr/>
           <a:lstStyle/>
           <a:p>
-            <a:endParaRPr lang="en-CA"/>
+            <a:r>
+              <a:rPr lang="en-CA"/>
+              <a:t>mwherman2000/neo-windocs</a:t>
+            </a:r>
           </a:p>
         </p:txBody>
       </p:sp>
@@ -3837,7 +3868,7 @@
           <a:bodyPr/>
           <a:lstStyle/>
           <a:p>
-            <a:fld id="{850F4645-0C93-4E14-B78E-0194D21706FC}" type="datetimeFigureOut">
+            <a:fld id="{A07A7FC2-07D2-4D4E-A540-B7E8D61F2874}" type="datetime1">
               <a:rPr lang="en-CA" smtClean="0"/>
               <a:t>2018-02-18</a:t>
             </a:fld>
@@ -3860,7 +3891,10 @@
           <a:bodyPr/>
           <a:lstStyle/>
           <a:p>
-            <a:endParaRPr lang="en-CA"/>
+            <a:r>
+              <a:rPr lang="en-CA"/>
+              <a:t>mwherman2000/neo-windocs</a:t>
+            </a:r>
           </a:p>
         </p:txBody>
       </p:sp>
@@ -4211,7 +4245,7 @@
           <a:bodyPr/>
           <a:lstStyle/>
           <a:p>
-            <a:fld id="{850F4645-0C93-4E14-B78E-0194D21706FC}" type="datetimeFigureOut">
+            <a:fld id="{82D9464B-D132-445A-B941-FB936F33E5E6}" type="datetime1">
               <a:rPr lang="en-CA" smtClean="0"/>
               <a:t>2018-02-18</a:t>
             </a:fld>
@@ -4234,7 +4268,10 @@
           <a:bodyPr/>
           <a:lstStyle/>
           <a:p>
-            <a:endParaRPr lang="en-CA"/>
+            <a:r>
+              <a:rPr lang="en-CA"/>
+              <a:t>mwherman2000/neo-windocs</a:t>
+            </a:r>
           </a:p>
         </p:txBody>
       </p:sp>
@@ -4334,7 +4371,7 @@
           <a:bodyPr/>
           <a:lstStyle/>
           <a:p>
-            <a:fld id="{850F4645-0C93-4E14-B78E-0194D21706FC}" type="datetimeFigureOut">
+            <a:fld id="{72717433-0132-4D66-898A-9CA085066A1A}" type="datetime1">
               <a:rPr lang="en-CA" smtClean="0"/>
               <a:t>2018-02-18</a:t>
             </a:fld>
@@ -4357,7 +4394,10 @@
           <a:bodyPr/>
           <a:lstStyle/>
           <a:p>
-            <a:endParaRPr lang="en-CA"/>
+            <a:r>
+              <a:rPr lang="en-CA"/>
+              <a:t>mwherman2000/neo-windocs</a:t>
+            </a:r>
           </a:p>
         </p:txBody>
       </p:sp>
@@ -4429,7 +4469,7 @@
           <a:bodyPr/>
           <a:lstStyle/>
           <a:p>
-            <a:fld id="{850F4645-0C93-4E14-B78E-0194D21706FC}" type="datetimeFigureOut">
+            <a:fld id="{9A5C786C-AE03-4B09-98D7-C5569C114F34}" type="datetime1">
               <a:rPr lang="en-CA" smtClean="0"/>
               <a:t>2018-02-18</a:t>
             </a:fld>
@@ -4452,7 +4492,10 @@
           <a:bodyPr/>
           <a:lstStyle/>
           <a:p>
-            <a:endParaRPr lang="en-CA"/>
+            <a:r>
+              <a:rPr lang="en-CA"/>
+              <a:t>mwherman2000/neo-windocs</a:t>
+            </a:r>
           </a:p>
         </p:txBody>
       </p:sp>
@@ -4684,7 +4727,7 @@
           <a:bodyPr/>
           <a:lstStyle/>
           <a:p>
-            <a:fld id="{850F4645-0C93-4E14-B78E-0194D21706FC}" type="datetimeFigureOut">
+            <a:fld id="{2EF9CBF5-E85E-4020-B9BE-19F6BE769472}" type="datetime1">
               <a:rPr lang="en-CA" smtClean="0"/>
               <a:t>2018-02-18</a:t>
             </a:fld>
@@ -4707,7 +4750,10 @@
           <a:bodyPr/>
           <a:lstStyle/>
           <a:p>
-            <a:endParaRPr lang="en-CA"/>
+            <a:r>
+              <a:rPr lang="en-CA"/>
+              <a:t>mwherman2000/neo-windocs</a:t>
+            </a:r>
           </a:p>
         </p:txBody>
       </p:sp>
@@ -4947,7 +4993,7 @@
           <a:bodyPr/>
           <a:lstStyle/>
           <a:p>
-            <a:fld id="{850F4645-0C93-4E14-B78E-0194D21706FC}" type="datetimeFigureOut">
+            <a:fld id="{3F336931-DC35-4BA1-B985-D72FFA5F5F5E}" type="datetime1">
               <a:rPr lang="en-CA" smtClean="0"/>
               <a:t>2018-02-18</a:t>
             </a:fld>
@@ -4970,7 +5016,10 @@
           <a:bodyPr/>
           <a:lstStyle/>
           <a:p>
-            <a:endParaRPr lang="en-CA"/>
+            <a:r>
+              <a:rPr lang="en-CA"/>
+              <a:t>mwherman2000/neo-windocs</a:t>
+            </a:r>
           </a:p>
         </p:txBody>
       </p:sp>
@@ -5690,7 +5739,7 @@
             </a:lvl1pPr>
           </a:lstStyle>
           <a:p>
-            <a:fld id="{850F4645-0C93-4E14-B78E-0194D21706FC}" type="datetimeFigureOut">
+            <a:fld id="{3661F5D3-1FFE-4C9D-96EA-30A65B63EBBB}" type="datetime1">
               <a:rPr lang="en-CA" smtClean="0"/>
               <a:t>2018-02-18</a:t>
             </a:fld>
@@ -5731,7 +5780,10 @@
             </a:lvl1pPr>
           </a:lstStyle>
           <a:p>
-            <a:endParaRPr lang="en-CA"/>
+            <a:r>
+              <a:rPr lang="en-CA"/>
+              <a:t>mwherman2000/neo-windocs</a:t>
+            </a:r>
           </a:p>
         </p:txBody>
       </p:sp>
@@ -5800,6 +5852,7 @@
     <p:sldLayoutId id="2147483675" r:id="rId15"/>
     <p:sldLayoutId id="2147483676" r:id="rId16"/>
   </p:sldLayoutIdLst>
+  <p:hf hdr="0" dt="0"/>
   <p:txStyles>
     <p:titleStyle>
       <a:lvl1pPr algn="l" defTabSz="457200" rtl="0" eaLnBrk="1" latinLnBrk="0" hangingPunct="1">
@@ -6544,6 +6597,63 @@
           </a:p>
         </p:txBody>
       </p:sp>
+      <p:sp>
+        <p:nvSpPr>
+          <p:cNvPr id="4" name="Footer Placeholder 3">
+            <a:extLst>
+              <a:ext uri="{FF2B5EF4-FFF2-40B4-BE49-F238E27FC236}">
+                <a16:creationId xmlns:a16="http://schemas.microsoft.com/office/drawing/2014/main" id="{B67E47D8-3973-493D-8A39-D859A6CD62D5}"/>
+              </a:ext>
+            </a:extLst>
+          </p:cNvPr>
+          <p:cNvSpPr>
+            <a:spLocks noGrp="1"/>
+          </p:cNvSpPr>
+          <p:nvPr>
+            <p:ph type="ftr" sz="quarter" idx="11"/>
+          </p:nvPr>
+        </p:nvSpPr>
+        <p:spPr/>
+        <p:txBody>
+          <a:bodyPr/>
+          <a:lstStyle/>
+          <a:p>
+            <a:r>
+              <a:rPr lang="en-CA"/>
+              <a:t>mwherman2000/neo-windocs</a:t>
+            </a:r>
+          </a:p>
+        </p:txBody>
+      </p:sp>
+      <p:sp>
+        <p:nvSpPr>
+          <p:cNvPr id="5" name="Slide Number Placeholder 4">
+            <a:extLst>
+              <a:ext uri="{FF2B5EF4-FFF2-40B4-BE49-F238E27FC236}">
+                <a16:creationId xmlns:a16="http://schemas.microsoft.com/office/drawing/2014/main" id="{03EF948D-6DC7-4290-B033-4A2309195C77}"/>
+              </a:ext>
+            </a:extLst>
+          </p:cNvPr>
+          <p:cNvSpPr>
+            <a:spLocks noGrp="1"/>
+          </p:cNvSpPr>
+          <p:nvPr>
+            <p:ph type="sldNum" sz="quarter" idx="12"/>
+          </p:nvPr>
+        </p:nvSpPr>
+        <p:spPr/>
+        <p:txBody>
+          <a:bodyPr/>
+          <a:lstStyle/>
+          <a:p>
+            <a:fld id="{7863DA49-5DA7-4C9C-B3D8-BFEC6789B4E0}" type="slidenum">
+              <a:rPr lang="en-CA" smtClean="0"/>
+              <a:t>10</a:t>
+            </a:fld>
+            <a:endParaRPr lang="en-CA"/>
+          </a:p>
+        </p:txBody>
+      </p:sp>
     </p:spTree>
     <p:extLst>
       <p:ext uri="{BB962C8B-B14F-4D97-AF65-F5344CB8AC3E}">
@@ -6814,6 +6924,63 @@
               <a:rPr lang="en-CA" dirty="0"/>
               <a:t>)	687b68a1159429dc558e4fc7590e391d52f1ef79a12922f941daa37c00334ec5</a:t>
             </a:r>
+          </a:p>
+        </p:txBody>
+      </p:sp>
+      <p:sp>
+        <p:nvSpPr>
+          <p:cNvPr id="4" name="Footer Placeholder 3">
+            <a:extLst>
+              <a:ext uri="{FF2B5EF4-FFF2-40B4-BE49-F238E27FC236}">
+                <a16:creationId xmlns:a16="http://schemas.microsoft.com/office/drawing/2014/main" id="{0E45D4D3-36FE-42FB-BDAD-4ED5D20B8E02}"/>
+              </a:ext>
+            </a:extLst>
+          </p:cNvPr>
+          <p:cNvSpPr>
+            <a:spLocks noGrp="1"/>
+          </p:cNvSpPr>
+          <p:nvPr>
+            <p:ph type="ftr" sz="quarter" idx="11"/>
+          </p:nvPr>
+        </p:nvSpPr>
+        <p:spPr/>
+        <p:txBody>
+          <a:bodyPr/>
+          <a:lstStyle/>
+          <a:p>
+            <a:r>
+              <a:rPr lang="en-CA"/>
+              <a:t>mwherman2000/neo-windocs</a:t>
+            </a:r>
+          </a:p>
+        </p:txBody>
+      </p:sp>
+      <p:sp>
+        <p:nvSpPr>
+          <p:cNvPr id="5" name="Slide Number Placeholder 4">
+            <a:extLst>
+              <a:ext uri="{FF2B5EF4-FFF2-40B4-BE49-F238E27FC236}">
+                <a16:creationId xmlns:a16="http://schemas.microsoft.com/office/drawing/2014/main" id="{74CA84C0-DEBB-43DA-BE16-89E60FCBEBC1}"/>
+              </a:ext>
+            </a:extLst>
+          </p:cNvPr>
+          <p:cNvSpPr>
+            <a:spLocks noGrp="1"/>
+          </p:cNvSpPr>
+          <p:nvPr>
+            <p:ph type="sldNum" sz="quarter" idx="12"/>
+          </p:nvPr>
+        </p:nvSpPr>
+        <p:spPr/>
+        <p:txBody>
+          <a:bodyPr/>
+          <a:lstStyle/>
+          <a:p>
+            <a:fld id="{7863DA49-5DA7-4C9C-B3D8-BFEC6789B4E0}" type="slidenum">
+              <a:rPr lang="en-CA" smtClean="0"/>
+              <a:t>11</a:t>
+            </a:fld>
+            <a:endParaRPr lang="en-CA"/>
           </a:p>
         </p:txBody>
       </p:sp>
@@ -6877,6 +7044,63 @@
           </a:prstGeom>
         </p:spPr>
       </p:pic>
+      <p:sp>
+        <p:nvSpPr>
+          <p:cNvPr id="3" name="Footer Placeholder 2">
+            <a:extLst>
+              <a:ext uri="{FF2B5EF4-FFF2-40B4-BE49-F238E27FC236}">
+                <a16:creationId xmlns:a16="http://schemas.microsoft.com/office/drawing/2014/main" id="{40864A26-3441-4ACD-810F-E0785775093D}"/>
+              </a:ext>
+            </a:extLst>
+          </p:cNvPr>
+          <p:cNvSpPr>
+            <a:spLocks noGrp="1"/>
+          </p:cNvSpPr>
+          <p:nvPr>
+            <p:ph type="ftr" sz="quarter" idx="11"/>
+          </p:nvPr>
+        </p:nvSpPr>
+        <p:spPr/>
+        <p:txBody>
+          <a:bodyPr/>
+          <a:lstStyle/>
+          <a:p>
+            <a:r>
+              <a:rPr lang="en-CA"/>
+              <a:t>mwherman2000/neo-windocs</a:t>
+            </a:r>
+          </a:p>
+        </p:txBody>
+      </p:sp>
+      <p:sp>
+        <p:nvSpPr>
+          <p:cNvPr id="4" name="Slide Number Placeholder 3">
+            <a:extLst>
+              <a:ext uri="{FF2B5EF4-FFF2-40B4-BE49-F238E27FC236}">
+                <a16:creationId xmlns:a16="http://schemas.microsoft.com/office/drawing/2014/main" id="{357ADBD2-F8A8-4FC9-BD81-F6C02637C0D5}"/>
+              </a:ext>
+            </a:extLst>
+          </p:cNvPr>
+          <p:cNvSpPr>
+            <a:spLocks noGrp="1"/>
+          </p:cNvSpPr>
+          <p:nvPr>
+            <p:ph type="sldNum" sz="quarter" idx="12"/>
+          </p:nvPr>
+        </p:nvSpPr>
+        <p:spPr/>
+        <p:txBody>
+          <a:bodyPr/>
+          <a:lstStyle/>
+          <a:p>
+            <a:fld id="{7863DA49-5DA7-4C9C-B3D8-BFEC6789B4E0}" type="slidenum">
+              <a:rPr lang="en-CA" smtClean="0"/>
+              <a:t>12</a:t>
+            </a:fld>
+            <a:endParaRPr lang="en-CA"/>
+          </a:p>
+        </p:txBody>
+      </p:sp>
     </p:spTree>
     <p:extLst>
       <p:ext uri="{BB962C8B-B14F-4D97-AF65-F5344CB8AC3E}">
@@ -7141,6 +7365,63 @@
           </a:p>
         </p:txBody>
       </p:sp>
+      <p:sp>
+        <p:nvSpPr>
+          <p:cNvPr id="2" name="Footer Placeholder 1">
+            <a:extLst>
+              <a:ext uri="{FF2B5EF4-FFF2-40B4-BE49-F238E27FC236}">
+                <a16:creationId xmlns:a16="http://schemas.microsoft.com/office/drawing/2014/main" id="{8AC06EC0-04D8-4F3A-98B8-E0CBC494198C}"/>
+              </a:ext>
+            </a:extLst>
+          </p:cNvPr>
+          <p:cNvSpPr>
+            <a:spLocks noGrp="1"/>
+          </p:cNvSpPr>
+          <p:nvPr>
+            <p:ph type="ftr" sz="quarter" idx="11"/>
+          </p:nvPr>
+        </p:nvSpPr>
+        <p:spPr/>
+        <p:txBody>
+          <a:bodyPr/>
+          <a:lstStyle/>
+          <a:p>
+            <a:r>
+              <a:rPr lang="en-CA"/>
+              <a:t>mwherman2000/neo-windocs</a:t>
+            </a:r>
+          </a:p>
+        </p:txBody>
+      </p:sp>
+      <p:sp>
+        <p:nvSpPr>
+          <p:cNvPr id="3" name="Slide Number Placeholder 2">
+            <a:extLst>
+              <a:ext uri="{FF2B5EF4-FFF2-40B4-BE49-F238E27FC236}">
+                <a16:creationId xmlns:a16="http://schemas.microsoft.com/office/drawing/2014/main" id="{F428FB06-08F4-4319-AE3A-87636013B682}"/>
+              </a:ext>
+            </a:extLst>
+          </p:cNvPr>
+          <p:cNvSpPr>
+            <a:spLocks noGrp="1"/>
+          </p:cNvSpPr>
+          <p:nvPr>
+            <p:ph type="sldNum" sz="quarter" idx="12"/>
+          </p:nvPr>
+        </p:nvSpPr>
+        <p:spPr/>
+        <p:txBody>
+          <a:bodyPr/>
+          <a:lstStyle/>
+          <a:p>
+            <a:fld id="{7863DA49-5DA7-4C9C-B3D8-BFEC6789B4E0}" type="slidenum">
+              <a:rPr lang="en-CA" smtClean="0"/>
+              <a:t>13</a:t>
+            </a:fld>
+            <a:endParaRPr lang="en-CA"/>
+          </a:p>
+        </p:txBody>
+      </p:sp>
     </p:spTree>
     <p:extLst>
       <p:ext uri="{BB962C8B-B14F-4D97-AF65-F5344CB8AC3E}">
@@ -7201,6 +7482,63 @@
           </a:prstGeom>
         </p:spPr>
       </p:pic>
+      <p:sp>
+        <p:nvSpPr>
+          <p:cNvPr id="3" name="Footer Placeholder 2">
+            <a:extLst>
+              <a:ext uri="{FF2B5EF4-FFF2-40B4-BE49-F238E27FC236}">
+                <a16:creationId xmlns:a16="http://schemas.microsoft.com/office/drawing/2014/main" id="{475B475E-F2FB-43A6-A6FC-ABBDE45002F3}"/>
+              </a:ext>
+            </a:extLst>
+          </p:cNvPr>
+          <p:cNvSpPr>
+            <a:spLocks noGrp="1"/>
+          </p:cNvSpPr>
+          <p:nvPr>
+            <p:ph type="ftr" sz="quarter" idx="11"/>
+          </p:nvPr>
+        </p:nvSpPr>
+        <p:spPr/>
+        <p:txBody>
+          <a:bodyPr/>
+          <a:lstStyle/>
+          <a:p>
+            <a:r>
+              <a:rPr lang="en-CA"/>
+              <a:t>mwherman2000/neo-windocs</a:t>
+            </a:r>
+          </a:p>
+        </p:txBody>
+      </p:sp>
+      <p:sp>
+        <p:nvSpPr>
+          <p:cNvPr id="4" name="Slide Number Placeholder 3">
+            <a:extLst>
+              <a:ext uri="{FF2B5EF4-FFF2-40B4-BE49-F238E27FC236}">
+                <a16:creationId xmlns:a16="http://schemas.microsoft.com/office/drawing/2014/main" id="{A82493FB-4E60-4541-AC58-2B893E20EEA5}"/>
+              </a:ext>
+            </a:extLst>
+          </p:cNvPr>
+          <p:cNvSpPr>
+            <a:spLocks noGrp="1"/>
+          </p:cNvSpPr>
+          <p:nvPr>
+            <p:ph type="sldNum" sz="quarter" idx="12"/>
+          </p:nvPr>
+        </p:nvSpPr>
+        <p:spPr/>
+        <p:txBody>
+          <a:bodyPr/>
+          <a:lstStyle/>
+          <a:p>
+            <a:fld id="{7863DA49-5DA7-4C9C-B3D8-BFEC6789B4E0}" type="slidenum">
+              <a:rPr lang="en-CA" smtClean="0"/>
+              <a:t>14</a:t>
+            </a:fld>
+            <a:endParaRPr lang="en-CA"/>
+          </a:p>
+        </p:txBody>
+      </p:sp>
     </p:spTree>
     <p:extLst>
       <p:ext uri="{BB962C8B-B14F-4D97-AF65-F5344CB8AC3E}">
@@ -7261,6 +7599,63 @@
           </a:prstGeom>
         </p:spPr>
       </p:pic>
+      <p:sp>
+        <p:nvSpPr>
+          <p:cNvPr id="3" name="Footer Placeholder 2">
+            <a:extLst>
+              <a:ext uri="{FF2B5EF4-FFF2-40B4-BE49-F238E27FC236}">
+                <a16:creationId xmlns:a16="http://schemas.microsoft.com/office/drawing/2014/main" id="{B95E1D7A-D0CD-4F22-BD22-7B0F31015B27}"/>
+              </a:ext>
+            </a:extLst>
+          </p:cNvPr>
+          <p:cNvSpPr>
+            <a:spLocks noGrp="1"/>
+          </p:cNvSpPr>
+          <p:nvPr>
+            <p:ph type="ftr" sz="quarter" idx="11"/>
+          </p:nvPr>
+        </p:nvSpPr>
+        <p:spPr/>
+        <p:txBody>
+          <a:bodyPr/>
+          <a:lstStyle/>
+          <a:p>
+            <a:r>
+              <a:rPr lang="en-CA"/>
+              <a:t>mwherman2000/neo-windocs</a:t>
+            </a:r>
+          </a:p>
+        </p:txBody>
+      </p:sp>
+      <p:sp>
+        <p:nvSpPr>
+          <p:cNvPr id="4" name="Slide Number Placeholder 3">
+            <a:extLst>
+              <a:ext uri="{FF2B5EF4-FFF2-40B4-BE49-F238E27FC236}">
+                <a16:creationId xmlns:a16="http://schemas.microsoft.com/office/drawing/2014/main" id="{70CB158A-9E27-4E7C-B612-5D3B222B2D6D}"/>
+              </a:ext>
+            </a:extLst>
+          </p:cNvPr>
+          <p:cNvSpPr>
+            <a:spLocks noGrp="1"/>
+          </p:cNvSpPr>
+          <p:nvPr>
+            <p:ph type="sldNum" sz="quarter" idx="12"/>
+          </p:nvPr>
+        </p:nvSpPr>
+        <p:spPr/>
+        <p:txBody>
+          <a:bodyPr/>
+          <a:lstStyle/>
+          <a:p>
+            <a:fld id="{7863DA49-5DA7-4C9C-B3D8-BFEC6789B4E0}" type="slidenum">
+              <a:rPr lang="en-CA" smtClean="0"/>
+              <a:t>15</a:t>
+            </a:fld>
+            <a:endParaRPr lang="en-CA"/>
+          </a:p>
+        </p:txBody>
+      </p:sp>
     </p:spTree>
     <p:extLst>
       <p:ext uri="{BB962C8B-B14F-4D97-AF65-F5344CB8AC3E}">
@@ -7321,6 +7716,63 @@
           </a:prstGeom>
         </p:spPr>
       </p:pic>
+      <p:sp>
+        <p:nvSpPr>
+          <p:cNvPr id="3" name="Footer Placeholder 2">
+            <a:extLst>
+              <a:ext uri="{FF2B5EF4-FFF2-40B4-BE49-F238E27FC236}">
+                <a16:creationId xmlns:a16="http://schemas.microsoft.com/office/drawing/2014/main" id="{334FE693-2B79-4A2C-85B3-08B4183AFE58}"/>
+              </a:ext>
+            </a:extLst>
+          </p:cNvPr>
+          <p:cNvSpPr>
+            <a:spLocks noGrp="1"/>
+          </p:cNvSpPr>
+          <p:nvPr>
+            <p:ph type="ftr" sz="quarter" idx="11"/>
+          </p:nvPr>
+        </p:nvSpPr>
+        <p:spPr/>
+        <p:txBody>
+          <a:bodyPr/>
+          <a:lstStyle/>
+          <a:p>
+            <a:r>
+              <a:rPr lang="en-CA"/>
+              <a:t>mwherman2000/neo-windocs</a:t>
+            </a:r>
+          </a:p>
+        </p:txBody>
+      </p:sp>
+      <p:sp>
+        <p:nvSpPr>
+          <p:cNvPr id="4" name="Slide Number Placeholder 3">
+            <a:extLst>
+              <a:ext uri="{FF2B5EF4-FFF2-40B4-BE49-F238E27FC236}">
+                <a16:creationId xmlns:a16="http://schemas.microsoft.com/office/drawing/2014/main" id="{148A6567-C330-4056-88AC-740358642521}"/>
+              </a:ext>
+            </a:extLst>
+          </p:cNvPr>
+          <p:cNvSpPr>
+            <a:spLocks noGrp="1"/>
+          </p:cNvSpPr>
+          <p:nvPr>
+            <p:ph type="sldNum" sz="quarter" idx="12"/>
+          </p:nvPr>
+        </p:nvSpPr>
+        <p:spPr/>
+        <p:txBody>
+          <a:bodyPr/>
+          <a:lstStyle/>
+          <a:p>
+            <a:fld id="{7863DA49-5DA7-4C9C-B3D8-BFEC6789B4E0}" type="slidenum">
+              <a:rPr lang="en-CA" smtClean="0"/>
+              <a:t>16</a:t>
+            </a:fld>
+            <a:endParaRPr lang="en-CA"/>
+          </a:p>
+        </p:txBody>
+      </p:sp>
     </p:spTree>
     <p:extLst>
       <p:ext uri="{BB962C8B-B14F-4D97-AF65-F5344CB8AC3E}">
@@ -7669,6 +8121,63 @@
           </a:p>
         </p:txBody>
       </p:sp>
+      <p:sp>
+        <p:nvSpPr>
+          <p:cNvPr id="4" name="Footer Placeholder 3">
+            <a:extLst>
+              <a:ext uri="{FF2B5EF4-FFF2-40B4-BE49-F238E27FC236}">
+                <a16:creationId xmlns:a16="http://schemas.microsoft.com/office/drawing/2014/main" id="{ADB13083-5383-4643-A52E-45B6A9EC67D0}"/>
+              </a:ext>
+            </a:extLst>
+          </p:cNvPr>
+          <p:cNvSpPr>
+            <a:spLocks noGrp="1"/>
+          </p:cNvSpPr>
+          <p:nvPr>
+            <p:ph type="ftr" sz="quarter" idx="11"/>
+          </p:nvPr>
+        </p:nvSpPr>
+        <p:spPr/>
+        <p:txBody>
+          <a:bodyPr/>
+          <a:lstStyle/>
+          <a:p>
+            <a:r>
+              <a:rPr lang="en-CA"/>
+              <a:t>mwherman2000/neo-windocs</a:t>
+            </a:r>
+          </a:p>
+        </p:txBody>
+      </p:sp>
+      <p:sp>
+        <p:nvSpPr>
+          <p:cNvPr id="5" name="Slide Number Placeholder 4">
+            <a:extLst>
+              <a:ext uri="{FF2B5EF4-FFF2-40B4-BE49-F238E27FC236}">
+                <a16:creationId xmlns:a16="http://schemas.microsoft.com/office/drawing/2014/main" id="{1F55069F-4B29-4303-A43F-ED89780BC6B1}"/>
+              </a:ext>
+            </a:extLst>
+          </p:cNvPr>
+          <p:cNvSpPr>
+            <a:spLocks noGrp="1"/>
+          </p:cNvSpPr>
+          <p:nvPr>
+            <p:ph type="sldNum" sz="quarter" idx="12"/>
+          </p:nvPr>
+        </p:nvSpPr>
+        <p:spPr/>
+        <p:txBody>
+          <a:bodyPr/>
+          <a:lstStyle/>
+          <a:p>
+            <a:fld id="{7863DA49-5DA7-4C9C-B3D8-BFEC6789B4E0}" type="slidenum">
+              <a:rPr lang="en-CA" smtClean="0"/>
+              <a:t>17</a:t>
+            </a:fld>
+            <a:endParaRPr lang="en-CA"/>
+          </a:p>
+        </p:txBody>
+      </p:sp>
     </p:spTree>
     <p:extLst>
       <p:ext uri="{BB962C8B-B14F-4D97-AF65-F5344CB8AC3E}">
@@ -7908,6 +8417,63 @@
           </a:p>
         </p:txBody>
       </p:sp>
+      <p:sp>
+        <p:nvSpPr>
+          <p:cNvPr id="4" name="Footer Placeholder 3">
+            <a:extLst>
+              <a:ext uri="{FF2B5EF4-FFF2-40B4-BE49-F238E27FC236}">
+                <a16:creationId xmlns:a16="http://schemas.microsoft.com/office/drawing/2014/main" id="{2E962B67-AE73-4C49-8089-B089451ABAF6}"/>
+              </a:ext>
+            </a:extLst>
+          </p:cNvPr>
+          <p:cNvSpPr>
+            <a:spLocks noGrp="1"/>
+          </p:cNvSpPr>
+          <p:nvPr>
+            <p:ph type="ftr" sz="quarter" idx="11"/>
+          </p:nvPr>
+        </p:nvSpPr>
+        <p:spPr/>
+        <p:txBody>
+          <a:bodyPr/>
+          <a:lstStyle/>
+          <a:p>
+            <a:r>
+              <a:rPr lang="en-CA"/>
+              <a:t>mwherman2000/neo-windocs</a:t>
+            </a:r>
+          </a:p>
+        </p:txBody>
+      </p:sp>
+      <p:sp>
+        <p:nvSpPr>
+          <p:cNvPr id="5" name="Slide Number Placeholder 4">
+            <a:extLst>
+              <a:ext uri="{FF2B5EF4-FFF2-40B4-BE49-F238E27FC236}">
+                <a16:creationId xmlns:a16="http://schemas.microsoft.com/office/drawing/2014/main" id="{BC23EAF2-E48B-476F-B861-FB55115DD39F}"/>
+              </a:ext>
+            </a:extLst>
+          </p:cNvPr>
+          <p:cNvSpPr>
+            <a:spLocks noGrp="1"/>
+          </p:cNvSpPr>
+          <p:nvPr>
+            <p:ph type="sldNum" sz="quarter" idx="12"/>
+          </p:nvPr>
+        </p:nvSpPr>
+        <p:spPr/>
+        <p:txBody>
+          <a:bodyPr/>
+          <a:lstStyle/>
+          <a:p>
+            <a:fld id="{7863DA49-5DA7-4C9C-B3D8-BFEC6789B4E0}" type="slidenum">
+              <a:rPr lang="en-CA" smtClean="0"/>
+              <a:t>18</a:t>
+            </a:fld>
+            <a:endParaRPr lang="en-CA"/>
+          </a:p>
+        </p:txBody>
+      </p:sp>
     </p:spTree>
     <p:extLst>
       <p:ext uri="{BB962C8B-B14F-4D97-AF65-F5344CB8AC3E}">
@@ -8019,6 +8585,63 @@
               <a:rPr lang="en-CA" dirty="0"/>
               <a:t>Reference: https://github.com/neo-project/docs/blob/bd7b05d55f3fb41c1a094bbd80dec6f08163c978/en-us/sc/white-paper.md#3-contract-use</a:t>
             </a:r>
+          </a:p>
+        </p:txBody>
+      </p:sp>
+      <p:sp>
+        <p:nvSpPr>
+          <p:cNvPr id="4" name="Footer Placeholder 3">
+            <a:extLst>
+              <a:ext uri="{FF2B5EF4-FFF2-40B4-BE49-F238E27FC236}">
+                <a16:creationId xmlns:a16="http://schemas.microsoft.com/office/drawing/2014/main" id="{A61F42C8-1FA1-4646-9496-88325CD3DF12}"/>
+              </a:ext>
+            </a:extLst>
+          </p:cNvPr>
+          <p:cNvSpPr>
+            <a:spLocks noGrp="1"/>
+          </p:cNvSpPr>
+          <p:nvPr>
+            <p:ph type="ftr" sz="quarter" idx="11"/>
+          </p:nvPr>
+        </p:nvSpPr>
+        <p:spPr/>
+        <p:txBody>
+          <a:bodyPr/>
+          <a:lstStyle/>
+          <a:p>
+            <a:r>
+              <a:rPr lang="en-CA"/>
+              <a:t>mwherman2000/neo-windocs</a:t>
+            </a:r>
+          </a:p>
+        </p:txBody>
+      </p:sp>
+      <p:sp>
+        <p:nvSpPr>
+          <p:cNvPr id="5" name="Slide Number Placeholder 4">
+            <a:extLst>
+              <a:ext uri="{FF2B5EF4-FFF2-40B4-BE49-F238E27FC236}">
+                <a16:creationId xmlns:a16="http://schemas.microsoft.com/office/drawing/2014/main" id="{77A2F5F5-64ED-4203-A350-BF241C3D1775}"/>
+              </a:ext>
+            </a:extLst>
+          </p:cNvPr>
+          <p:cNvSpPr>
+            <a:spLocks noGrp="1"/>
+          </p:cNvSpPr>
+          <p:nvPr>
+            <p:ph type="sldNum" sz="quarter" idx="12"/>
+          </p:nvPr>
+        </p:nvSpPr>
+        <p:spPr/>
+        <p:txBody>
+          <a:bodyPr/>
+          <a:lstStyle/>
+          <a:p>
+            <a:fld id="{7863DA49-5DA7-4C9C-B3D8-BFEC6789B4E0}" type="slidenum">
+              <a:rPr lang="en-CA" smtClean="0"/>
+              <a:t>2</a:t>
+            </a:fld>
+            <a:endParaRPr lang="en-CA"/>
           </a:p>
         </p:txBody>
       </p:sp>
@@ -8142,6 +8765,63 @@
           </a:prstGeom>
         </p:spPr>
       </p:pic>
+      <p:sp>
+        <p:nvSpPr>
+          <p:cNvPr id="2" name="Footer Placeholder 1">
+            <a:extLst>
+              <a:ext uri="{FF2B5EF4-FFF2-40B4-BE49-F238E27FC236}">
+                <a16:creationId xmlns:a16="http://schemas.microsoft.com/office/drawing/2014/main" id="{9EE213E9-AB00-4A0B-AB96-DED29EE1E1D9}"/>
+              </a:ext>
+            </a:extLst>
+          </p:cNvPr>
+          <p:cNvSpPr>
+            <a:spLocks noGrp="1"/>
+          </p:cNvSpPr>
+          <p:nvPr>
+            <p:ph type="ftr" sz="quarter" idx="11"/>
+          </p:nvPr>
+        </p:nvSpPr>
+        <p:spPr/>
+        <p:txBody>
+          <a:bodyPr/>
+          <a:lstStyle/>
+          <a:p>
+            <a:r>
+              <a:rPr lang="en-CA"/>
+              <a:t>mwherman2000/neo-windocs</a:t>
+            </a:r>
+          </a:p>
+        </p:txBody>
+      </p:sp>
+      <p:sp>
+        <p:nvSpPr>
+          <p:cNvPr id="5" name="Slide Number Placeholder 4">
+            <a:extLst>
+              <a:ext uri="{FF2B5EF4-FFF2-40B4-BE49-F238E27FC236}">
+                <a16:creationId xmlns:a16="http://schemas.microsoft.com/office/drawing/2014/main" id="{C9C307AD-5FF1-46B5-996E-5B6F491B3670}"/>
+              </a:ext>
+            </a:extLst>
+          </p:cNvPr>
+          <p:cNvSpPr>
+            <a:spLocks noGrp="1"/>
+          </p:cNvSpPr>
+          <p:nvPr>
+            <p:ph type="sldNum" sz="quarter" idx="12"/>
+          </p:nvPr>
+        </p:nvSpPr>
+        <p:spPr/>
+        <p:txBody>
+          <a:bodyPr/>
+          <a:lstStyle/>
+          <a:p>
+            <a:fld id="{7863DA49-5DA7-4C9C-B3D8-BFEC6789B4E0}" type="slidenum">
+              <a:rPr lang="en-CA" smtClean="0"/>
+              <a:t>3</a:t>
+            </a:fld>
+            <a:endParaRPr lang="en-CA"/>
+          </a:p>
+        </p:txBody>
+      </p:sp>
     </p:spTree>
     <p:extLst>
       <p:ext uri="{BB962C8B-B14F-4D97-AF65-F5344CB8AC3E}">
@@ -8202,6 +8882,63 @@
           </a:prstGeom>
         </p:spPr>
       </p:pic>
+      <p:sp>
+        <p:nvSpPr>
+          <p:cNvPr id="3" name="Footer Placeholder 2">
+            <a:extLst>
+              <a:ext uri="{FF2B5EF4-FFF2-40B4-BE49-F238E27FC236}">
+                <a16:creationId xmlns:a16="http://schemas.microsoft.com/office/drawing/2014/main" id="{8C186720-4577-4FEE-8F9D-8444A0A17D33}"/>
+              </a:ext>
+            </a:extLst>
+          </p:cNvPr>
+          <p:cNvSpPr>
+            <a:spLocks noGrp="1"/>
+          </p:cNvSpPr>
+          <p:nvPr>
+            <p:ph type="ftr" sz="quarter" idx="11"/>
+          </p:nvPr>
+        </p:nvSpPr>
+        <p:spPr/>
+        <p:txBody>
+          <a:bodyPr/>
+          <a:lstStyle/>
+          <a:p>
+            <a:r>
+              <a:rPr lang="en-CA"/>
+              <a:t>mwherman2000/neo-windocs</a:t>
+            </a:r>
+          </a:p>
+        </p:txBody>
+      </p:sp>
+      <p:sp>
+        <p:nvSpPr>
+          <p:cNvPr id="4" name="Slide Number Placeholder 3">
+            <a:extLst>
+              <a:ext uri="{FF2B5EF4-FFF2-40B4-BE49-F238E27FC236}">
+                <a16:creationId xmlns:a16="http://schemas.microsoft.com/office/drawing/2014/main" id="{7A582861-9886-443C-9690-B53E14286C51}"/>
+              </a:ext>
+            </a:extLst>
+          </p:cNvPr>
+          <p:cNvSpPr>
+            <a:spLocks noGrp="1"/>
+          </p:cNvSpPr>
+          <p:nvPr>
+            <p:ph type="sldNum" sz="quarter" idx="12"/>
+          </p:nvPr>
+        </p:nvSpPr>
+        <p:spPr/>
+        <p:txBody>
+          <a:bodyPr/>
+          <a:lstStyle/>
+          <a:p>
+            <a:fld id="{7863DA49-5DA7-4C9C-B3D8-BFEC6789B4E0}" type="slidenum">
+              <a:rPr lang="en-CA" smtClean="0"/>
+              <a:t>4</a:t>
+            </a:fld>
+            <a:endParaRPr lang="en-CA"/>
+          </a:p>
+        </p:txBody>
+      </p:sp>
     </p:spTree>
     <p:extLst>
       <p:ext uri="{BB962C8B-B14F-4D97-AF65-F5344CB8AC3E}">
@@ -8262,6 +8999,63 @@
           </a:prstGeom>
         </p:spPr>
       </p:pic>
+      <p:sp>
+        <p:nvSpPr>
+          <p:cNvPr id="2" name="Footer Placeholder 1">
+            <a:extLst>
+              <a:ext uri="{FF2B5EF4-FFF2-40B4-BE49-F238E27FC236}">
+                <a16:creationId xmlns:a16="http://schemas.microsoft.com/office/drawing/2014/main" id="{C3819BE8-B93E-4AE9-92DD-4CD905FC776D}"/>
+              </a:ext>
+            </a:extLst>
+          </p:cNvPr>
+          <p:cNvSpPr>
+            <a:spLocks noGrp="1"/>
+          </p:cNvSpPr>
+          <p:nvPr>
+            <p:ph type="ftr" sz="quarter" idx="11"/>
+          </p:nvPr>
+        </p:nvSpPr>
+        <p:spPr/>
+        <p:txBody>
+          <a:bodyPr/>
+          <a:lstStyle/>
+          <a:p>
+            <a:r>
+              <a:rPr lang="en-CA"/>
+              <a:t>mwherman2000/neo-windocs</a:t>
+            </a:r>
+          </a:p>
+        </p:txBody>
+      </p:sp>
+      <p:sp>
+        <p:nvSpPr>
+          <p:cNvPr id="3" name="Slide Number Placeholder 2">
+            <a:extLst>
+              <a:ext uri="{FF2B5EF4-FFF2-40B4-BE49-F238E27FC236}">
+                <a16:creationId xmlns:a16="http://schemas.microsoft.com/office/drawing/2014/main" id="{4D3539BD-21B9-45A9-984D-F8C4AEC10903}"/>
+              </a:ext>
+            </a:extLst>
+          </p:cNvPr>
+          <p:cNvSpPr>
+            <a:spLocks noGrp="1"/>
+          </p:cNvSpPr>
+          <p:nvPr>
+            <p:ph type="sldNum" sz="quarter" idx="12"/>
+          </p:nvPr>
+        </p:nvSpPr>
+        <p:spPr/>
+        <p:txBody>
+          <a:bodyPr/>
+          <a:lstStyle/>
+          <a:p>
+            <a:fld id="{7863DA49-5DA7-4C9C-B3D8-BFEC6789B4E0}" type="slidenum">
+              <a:rPr lang="en-CA" smtClean="0"/>
+              <a:t>5</a:t>
+            </a:fld>
+            <a:endParaRPr lang="en-CA"/>
+          </a:p>
+        </p:txBody>
+      </p:sp>
     </p:spTree>
     <p:extLst>
       <p:ext uri="{BB962C8B-B14F-4D97-AF65-F5344CB8AC3E}">
@@ -8618,6 +9412,63 @@
           </a:p>
         </p:txBody>
       </p:sp>
+      <p:sp>
+        <p:nvSpPr>
+          <p:cNvPr id="10" name="Footer Placeholder 9">
+            <a:extLst>
+              <a:ext uri="{FF2B5EF4-FFF2-40B4-BE49-F238E27FC236}">
+                <a16:creationId xmlns:a16="http://schemas.microsoft.com/office/drawing/2014/main" id="{69989B1B-D382-4689-97DD-54029E39AD10}"/>
+              </a:ext>
+            </a:extLst>
+          </p:cNvPr>
+          <p:cNvSpPr>
+            <a:spLocks noGrp="1"/>
+          </p:cNvSpPr>
+          <p:nvPr>
+            <p:ph type="ftr" sz="quarter" idx="11"/>
+          </p:nvPr>
+        </p:nvSpPr>
+        <p:spPr/>
+        <p:txBody>
+          <a:bodyPr/>
+          <a:lstStyle/>
+          <a:p>
+            <a:r>
+              <a:rPr lang="en-CA"/>
+              <a:t>mwherman2000/neo-windocs</a:t>
+            </a:r>
+          </a:p>
+        </p:txBody>
+      </p:sp>
+      <p:sp>
+        <p:nvSpPr>
+          <p:cNvPr id="11" name="Slide Number Placeholder 10">
+            <a:extLst>
+              <a:ext uri="{FF2B5EF4-FFF2-40B4-BE49-F238E27FC236}">
+                <a16:creationId xmlns:a16="http://schemas.microsoft.com/office/drawing/2014/main" id="{CF5DBF76-565C-4E9C-B68D-3A3984450CE7}"/>
+              </a:ext>
+            </a:extLst>
+          </p:cNvPr>
+          <p:cNvSpPr>
+            <a:spLocks noGrp="1"/>
+          </p:cNvSpPr>
+          <p:nvPr>
+            <p:ph type="sldNum" sz="quarter" idx="12"/>
+          </p:nvPr>
+        </p:nvSpPr>
+        <p:spPr/>
+        <p:txBody>
+          <a:bodyPr/>
+          <a:lstStyle/>
+          <a:p>
+            <a:fld id="{7863DA49-5DA7-4C9C-B3D8-BFEC6789B4E0}" type="slidenum">
+              <a:rPr lang="en-CA" smtClean="0"/>
+              <a:t>6</a:t>
+            </a:fld>
+            <a:endParaRPr lang="en-CA"/>
+          </a:p>
+        </p:txBody>
+      </p:sp>
     </p:spTree>
     <p:extLst>
       <p:ext uri="{BB962C8B-B14F-4D97-AF65-F5344CB8AC3E}">
@@ -8724,6 +9575,63 @@
           </a:p>
         </p:txBody>
       </p:sp>
+      <p:sp>
+        <p:nvSpPr>
+          <p:cNvPr id="4" name="Footer Placeholder 3">
+            <a:extLst>
+              <a:ext uri="{FF2B5EF4-FFF2-40B4-BE49-F238E27FC236}">
+                <a16:creationId xmlns:a16="http://schemas.microsoft.com/office/drawing/2014/main" id="{6FE8EE5B-EF37-4C64-BDA7-74F2D67D71A2}"/>
+              </a:ext>
+            </a:extLst>
+          </p:cNvPr>
+          <p:cNvSpPr>
+            <a:spLocks noGrp="1"/>
+          </p:cNvSpPr>
+          <p:nvPr>
+            <p:ph type="ftr" sz="quarter" idx="11"/>
+          </p:nvPr>
+        </p:nvSpPr>
+        <p:spPr/>
+        <p:txBody>
+          <a:bodyPr/>
+          <a:lstStyle/>
+          <a:p>
+            <a:r>
+              <a:rPr lang="en-CA"/>
+              <a:t>mwherman2000/neo-windocs</a:t>
+            </a:r>
+          </a:p>
+        </p:txBody>
+      </p:sp>
+      <p:sp>
+        <p:nvSpPr>
+          <p:cNvPr id="5" name="Slide Number Placeholder 4">
+            <a:extLst>
+              <a:ext uri="{FF2B5EF4-FFF2-40B4-BE49-F238E27FC236}">
+                <a16:creationId xmlns:a16="http://schemas.microsoft.com/office/drawing/2014/main" id="{44353273-474C-4451-BE06-6B036F40BF19}"/>
+              </a:ext>
+            </a:extLst>
+          </p:cNvPr>
+          <p:cNvSpPr>
+            <a:spLocks noGrp="1"/>
+          </p:cNvSpPr>
+          <p:nvPr>
+            <p:ph type="sldNum" sz="quarter" idx="12"/>
+          </p:nvPr>
+        </p:nvSpPr>
+        <p:spPr/>
+        <p:txBody>
+          <a:bodyPr/>
+          <a:lstStyle/>
+          <a:p>
+            <a:fld id="{7863DA49-5DA7-4C9C-B3D8-BFEC6789B4E0}" type="slidenum">
+              <a:rPr lang="en-CA" smtClean="0"/>
+              <a:t>7</a:t>
+            </a:fld>
+            <a:endParaRPr lang="en-CA"/>
+          </a:p>
+        </p:txBody>
+      </p:sp>
     </p:spTree>
     <p:extLst>
       <p:ext uri="{BB962C8B-B14F-4D97-AF65-F5344CB8AC3E}">
@@ -8964,6 +9872,63 @@
           </a:p>
         </p:txBody>
       </p:sp>
+      <p:sp>
+        <p:nvSpPr>
+          <p:cNvPr id="4" name="Footer Placeholder 3">
+            <a:extLst>
+              <a:ext uri="{FF2B5EF4-FFF2-40B4-BE49-F238E27FC236}">
+                <a16:creationId xmlns:a16="http://schemas.microsoft.com/office/drawing/2014/main" id="{0C6D341C-DFE3-41BD-BA41-E923A42C0AEE}"/>
+              </a:ext>
+            </a:extLst>
+          </p:cNvPr>
+          <p:cNvSpPr>
+            <a:spLocks noGrp="1"/>
+          </p:cNvSpPr>
+          <p:nvPr>
+            <p:ph type="ftr" sz="quarter" idx="11"/>
+          </p:nvPr>
+        </p:nvSpPr>
+        <p:spPr/>
+        <p:txBody>
+          <a:bodyPr/>
+          <a:lstStyle/>
+          <a:p>
+            <a:r>
+              <a:rPr lang="en-CA"/>
+              <a:t>mwherman2000/neo-windocs</a:t>
+            </a:r>
+          </a:p>
+        </p:txBody>
+      </p:sp>
+      <p:sp>
+        <p:nvSpPr>
+          <p:cNvPr id="5" name="Slide Number Placeholder 4">
+            <a:extLst>
+              <a:ext uri="{FF2B5EF4-FFF2-40B4-BE49-F238E27FC236}">
+                <a16:creationId xmlns:a16="http://schemas.microsoft.com/office/drawing/2014/main" id="{59D80960-3FD5-450F-9477-65EA0DE0C981}"/>
+              </a:ext>
+            </a:extLst>
+          </p:cNvPr>
+          <p:cNvSpPr>
+            <a:spLocks noGrp="1"/>
+          </p:cNvSpPr>
+          <p:nvPr>
+            <p:ph type="sldNum" sz="quarter" idx="12"/>
+          </p:nvPr>
+        </p:nvSpPr>
+        <p:spPr/>
+        <p:txBody>
+          <a:bodyPr/>
+          <a:lstStyle/>
+          <a:p>
+            <a:fld id="{7863DA49-5DA7-4C9C-B3D8-BFEC6789B4E0}" type="slidenum">
+              <a:rPr lang="en-CA" smtClean="0"/>
+              <a:t>8</a:t>
+            </a:fld>
+            <a:endParaRPr lang="en-CA"/>
+          </a:p>
+        </p:txBody>
+      </p:sp>
     </p:spTree>
     <p:extLst>
       <p:ext uri="{BB962C8B-B14F-4D97-AF65-F5344CB8AC3E}">
@@ -9142,6 +10107,63 @@
               <a:t>0C28FCA386C7A227600B2FE50B7CAE1_SAMPLE_PRIVATE_KEY_DO_NOT_IMPORT_1EC86D3BF1FBE471BE89827E19D72AA1D</a:t>
             </a:r>
             <a:endParaRPr lang="en-CA" dirty="0"/>
+          </a:p>
+        </p:txBody>
+      </p:sp>
+      <p:sp>
+        <p:nvSpPr>
+          <p:cNvPr id="4" name="Footer Placeholder 3">
+            <a:extLst>
+              <a:ext uri="{FF2B5EF4-FFF2-40B4-BE49-F238E27FC236}">
+                <a16:creationId xmlns:a16="http://schemas.microsoft.com/office/drawing/2014/main" id="{67F3DA55-A6B8-4B41-BBBF-B3C6FAE7B74C}"/>
+              </a:ext>
+            </a:extLst>
+          </p:cNvPr>
+          <p:cNvSpPr>
+            <a:spLocks noGrp="1"/>
+          </p:cNvSpPr>
+          <p:nvPr>
+            <p:ph type="ftr" sz="quarter" idx="11"/>
+          </p:nvPr>
+        </p:nvSpPr>
+        <p:spPr/>
+        <p:txBody>
+          <a:bodyPr/>
+          <a:lstStyle/>
+          <a:p>
+            <a:r>
+              <a:rPr lang="en-CA"/>
+              <a:t>mwherman2000/neo-windocs</a:t>
+            </a:r>
+          </a:p>
+        </p:txBody>
+      </p:sp>
+      <p:sp>
+        <p:nvSpPr>
+          <p:cNvPr id="5" name="Slide Number Placeholder 4">
+            <a:extLst>
+              <a:ext uri="{FF2B5EF4-FFF2-40B4-BE49-F238E27FC236}">
+                <a16:creationId xmlns:a16="http://schemas.microsoft.com/office/drawing/2014/main" id="{E34CB9D9-EC6D-4362-8438-A0D7FC4632BD}"/>
+              </a:ext>
+            </a:extLst>
+          </p:cNvPr>
+          <p:cNvSpPr>
+            <a:spLocks noGrp="1"/>
+          </p:cNvSpPr>
+          <p:nvPr>
+            <p:ph type="sldNum" sz="quarter" idx="12"/>
+          </p:nvPr>
+        </p:nvSpPr>
+        <p:spPr/>
+        <p:txBody>
+          <a:bodyPr/>
+          <a:lstStyle/>
+          <a:p>
+            <a:fld id="{7863DA49-5DA7-4C9C-B3D8-BFEC6789B4E0}" type="slidenum">
+              <a:rPr lang="en-CA" smtClean="0"/>
+              <a:t>9</a:t>
+            </a:fld>
+            <a:endParaRPr lang="en-CA"/>
           </a:p>
         </p:txBody>
       </p:sp>

--- a/windocs/windocs-presentations/Debugging NEO Accounts and Addresses-20180216 v0.1.pptx
+++ b/windocs/windocs-presentations/Debugging NEO Accounts and Addresses-20180216 v0.1.pptx
@@ -6745,15 +6745,21 @@
           </a:bodyPr>
           <a:lstStyle/>
           <a:p>
+            <a:pPr marL="0" indent="0">
+              <a:buNone/>
+            </a:pPr>
             <a:r>
               <a:rPr lang="en-CA" b="1" dirty="0"/>
               <a:t>Description			Length (Bin/Hex)			Examples (Bold Lengths)</a:t>
             </a:r>
           </a:p>
           <a:p>
+            <a:pPr marL="0" indent="0">
+              <a:buNone/>
+            </a:pPr>
             <a:r>
               <a:rPr lang="en-CA" dirty="0"/>
-              <a:t>WIF1					(</a:t>
+              <a:t>WIF1				(</a:t>
             </a:r>
             <a:r>
               <a:rPr lang="en-CA" b="1" dirty="0"/>
@@ -6765,6 +6771,9 @@
             </a:r>
           </a:p>
           <a:p>
+            <a:pPr marL="0" indent="0">
+              <a:buNone/>
+            </a:pPr>
             <a:r>
               <a:rPr lang="en-CA" dirty="0"/>
               <a:t>WIF1Address			(</a:t>
@@ -6779,6 +6788,9 @@
             </a:r>
           </a:p>
           <a:p>
+            <a:pPr marL="0" indent="0">
+              <a:buNone/>
+            </a:pPr>
             <a:r>
               <a:rPr lang="en-CA" dirty="0"/>
               <a:t>WIF1PublicKeyHex		(33/</a:t>
@@ -6793,9 +6805,12 @@
             </a:r>
           </a:p>
           <a:p>
+            <a:pPr marL="0" indent="0">
+              <a:buNone/>
+            </a:pPr>
             <a:r>
               <a:rPr lang="en-US" dirty="0"/>
-              <a:t>WIF1PrivateKeyHex		(32/</a:t>
+              <a:t>WIF1PrivateKeyHex	(32/</a:t>
             </a:r>
             <a:r>
               <a:rPr lang="en-US" b="1" dirty="0"/>
@@ -6807,6 +6822,9 @@
             </a:r>
           </a:p>
           <a:p>
+            <a:pPr marL="0" indent="0">
+              <a:buNone/>
+            </a:pPr>
             <a:r>
               <a:rPr lang="en-CA" dirty="0"/>
               <a:t>WIF1AddressScriptHash	(20/</a:t>
@@ -6821,15 +6839,21 @@
             </a:r>
           </a:p>
           <a:p>
+            <a:pPr marL="0" indent="0">
+              <a:buNone/>
+            </a:pPr>
             <a:r>
               <a:rPr lang="en-CA" dirty="0"/>
               <a:t> </a:t>
             </a:r>
           </a:p>
           <a:p>
+            <a:pPr marL="0" indent="0">
+              <a:buNone/>
+            </a:pPr>
             <a:r>
               <a:rPr lang="en-CA" dirty="0"/>
-              <a:t>WIF2					(</a:t>
+              <a:t>WIF2				(</a:t>
             </a:r>
             <a:r>
               <a:rPr lang="en-CA" b="1" dirty="0"/>
@@ -6841,6 +6865,9 @@
             </a:r>
           </a:p>
           <a:p>
+            <a:pPr marL="0" indent="0">
+              <a:buNone/>
+            </a:pPr>
             <a:r>
               <a:rPr lang="en-CA" dirty="0"/>
               <a:t>WIF2Address			(</a:t>
@@ -6855,6 +6882,9 @@
             </a:r>
           </a:p>
           <a:p>
+            <a:pPr marL="0" indent="0">
+              <a:buNone/>
+            </a:pPr>
             <a:r>
               <a:rPr lang="en-US" dirty="0"/>
               <a:t>WIF2PublicKeyHex		(33/</a:t>
@@ -6869,9 +6899,12 @@
             </a:r>
           </a:p>
           <a:p>
+            <a:pPr marL="0" indent="0">
+              <a:buNone/>
+            </a:pPr>
             <a:r>
               <a:rPr lang="en-CA" dirty="0"/>
-              <a:t>WIF2PrivateKeyHex		(32/</a:t>
+              <a:t>WIF2PrivateKeyHex	(32/</a:t>
             </a:r>
             <a:r>
               <a:rPr lang="en-CA" b="1" dirty="0"/>
@@ -6883,6 +6916,9 @@
             </a:r>
           </a:p>
           <a:p>
+            <a:pPr marL="0" indent="0">
+              <a:buNone/>
+            </a:pPr>
             <a:r>
               <a:rPr lang="en-CA" dirty="0"/>
               <a:t>WIF2AddressScriptHash	(20/</a:t>
@@ -6897,9 +6933,15 @@
             </a:r>
           </a:p>
           <a:p>
+            <a:pPr marL="0" indent="0">
+              <a:buNone/>
+            </a:pPr>
             <a:endParaRPr lang="en-CA" dirty="0"/>
           </a:p>
           <a:p>
+            <a:pPr marL="0" indent="0">
+              <a:buNone/>
+            </a:pPr>
             <a:r>
               <a:rPr lang="en-CA" dirty="0" err="1"/>
               <a:t>TxID</a:t>

--- a/windocs/windocs-presentations/Debugging NEO Accounts and Addresses-20180216 v0.1.pptx
+++ b/windocs/windocs-presentations/Debugging NEO Accounts and Addresses-20180216 v0.1.pptx
@@ -7928,7 +7928,31 @@
               <a:rPr lang="en-CA" b="1" dirty="0">
                 <a:latin typeface="Lucida Console" panose="020B0609040504020204" pitchFamily="49" charset="0"/>
               </a:rPr>
-              <a:t>private static bool Register(string domain, byte[] owner)</a:t>
+              <a:t>private static bool Register(string </a:t>
+            </a:r>
+            <a:r>
+              <a:rPr lang="en-CA" b="1" dirty="0" err="1">
+                <a:latin typeface="Lucida Console" panose="020B0609040504020204" pitchFamily="49" charset="0"/>
+              </a:rPr>
+              <a:t>domainName</a:t>
+            </a:r>
+            <a:r>
+              <a:rPr lang="en-CA" b="1" dirty="0">
+                <a:latin typeface="Lucida Console" panose="020B0609040504020204" pitchFamily="49" charset="0"/>
+              </a:rPr>
+              <a:t>, byte[] </a:t>
+            </a:r>
+            <a:r>
+              <a:rPr lang="en-CA" b="1" dirty="0" err="1">
+                <a:latin typeface="Lucida Console" panose="020B0609040504020204" pitchFamily="49" charset="0"/>
+              </a:rPr>
+              <a:t>ownerScriptHash</a:t>
+            </a:r>
+            <a:r>
+              <a:rPr lang="en-CA" b="1" dirty="0">
+                <a:latin typeface="Lucida Console" panose="020B0609040504020204" pitchFamily="49" charset="0"/>
+              </a:rPr>
+              <a:t>)</a:t>
             </a:r>
           </a:p>
           <a:p>
@@ -7962,7 +7986,19 @@
               <a:rPr lang="en-US" b="1" dirty="0">
                 <a:latin typeface="Lucida Console" panose="020B0609040504020204" pitchFamily="49" charset="0"/>
               </a:rPr>
-              <a:t>(owner)) return false;</a:t>
+              <a:t>(</a:t>
+            </a:r>
+            <a:r>
+              <a:rPr lang="en-CA" b="1" dirty="0" err="1">
+                <a:latin typeface="Lucida Console" panose="020B0609040504020204" pitchFamily="49" charset="0"/>
+              </a:rPr>
+              <a:t>ownerScriptHash</a:t>
+            </a:r>
+            <a:r>
+              <a:rPr lang="en-US" b="1" dirty="0">
+                <a:latin typeface="Lucida Console" panose="020B0609040504020204" pitchFamily="49" charset="0"/>
+              </a:rPr>
+              <a:t>)) return false;</a:t>
             </a:r>
           </a:p>
           <a:p>
@@ -7973,7 +8009,7 @@
               <a:rPr lang="en-CA" b="1" dirty="0">
                 <a:latin typeface="Lucida Console" panose="020B0609040504020204" pitchFamily="49" charset="0"/>
               </a:rPr>
-              <a:t>    byte[] value = </a:t>
+              <a:t>    byte[] entry = </a:t>
             </a:r>
             <a:r>
               <a:rPr lang="en-CA" b="1" dirty="0" err="1">
@@ -7997,7 +8033,19 @@
               <a:rPr lang="en-CA" b="1" dirty="0">
                 <a:latin typeface="Lucida Console" panose="020B0609040504020204" pitchFamily="49" charset="0"/>
               </a:rPr>
-              <a:t>, domain);</a:t>
+              <a:t>, </a:t>
+            </a:r>
+            <a:r>
+              <a:rPr lang="en-CA" b="1" dirty="0" err="1">
+                <a:latin typeface="Lucida Console" panose="020B0609040504020204" pitchFamily="49" charset="0"/>
+              </a:rPr>
+              <a:t>domainName</a:t>
+            </a:r>
+            <a:r>
+              <a:rPr lang="en-CA" b="1" dirty="0">
+                <a:latin typeface="Lucida Console" panose="020B0609040504020204" pitchFamily="49" charset="0"/>
+              </a:rPr>
+              <a:t>);</a:t>
             </a:r>
           </a:p>
           <a:p>
@@ -8008,7 +8056,19 @@
               <a:rPr lang="en-US" b="1" dirty="0">
                 <a:latin typeface="Lucida Console" panose="020B0609040504020204" pitchFamily="49" charset="0"/>
               </a:rPr>
-              <a:t>    if (value != null) return false;</a:t>
+              <a:t>    if (</a:t>
+            </a:r>
+            <a:r>
+              <a:rPr lang="en-CA" b="1" dirty="0">
+                <a:latin typeface="Lucida Console" panose="020B0609040504020204" pitchFamily="49" charset="0"/>
+              </a:rPr>
+              <a:t>entry</a:t>
+            </a:r>
+            <a:r>
+              <a:rPr lang="en-US" b="1" dirty="0">
+                <a:latin typeface="Lucida Console" panose="020B0609040504020204" pitchFamily="49" charset="0"/>
+              </a:rPr>
+              <a:t> != null) return false;</a:t>
             </a:r>
           </a:p>
           <a:p>
@@ -8043,7 +8103,31 @@
               <a:rPr lang="en-US" b="1" dirty="0">
                 <a:latin typeface="Lucida Console" panose="020B0609040504020204" pitchFamily="49" charset="0"/>
               </a:rPr>
-              <a:t>, domain, owner);</a:t>
+              <a:t>, </a:t>
+            </a:r>
+            <a:r>
+              <a:rPr lang="en-CA" b="1" dirty="0" err="1">
+                <a:latin typeface="Lucida Console" panose="020B0609040504020204" pitchFamily="49" charset="0"/>
+              </a:rPr>
+              <a:t>domainName</a:t>
+            </a:r>
+            <a:r>
+              <a:rPr lang="en-US" b="1" dirty="0">
+                <a:latin typeface="Lucida Console" panose="020B0609040504020204" pitchFamily="49" charset="0"/>
+              </a:rPr>
+              <a:t>, </a:t>
+            </a:r>
+            <a:r>
+              <a:rPr lang="en-CA" b="1" dirty="0" err="1">
+                <a:latin typeface="Lucida Console" panose="020B0609040504020204" pitchFamily="49" charset="0"/>
+              </a:rPr>
+              <a:t>ownerScriptHash</a:t>
+            </a:r>
+            <a:r>
+              <a:rPr lang="en-US" b="1" dirty="0">
+                <a:latin typeface="Lucida Console" panose="020B0609040504020204" pitchFamily="49" charset="0"/>
+              </a:rPr>
+              <a:t>);</a:t>
             </a:r>
           </a:p>
           <a:p>
@@ -8112,7 +8196,17 @@
             <a:pPr lvl="1"/>
             <a:r>
               <a:rPr lang="en-CA" dirty="0"/>
-              <a:t>If the caller doesn’t match the owner script hash passed into the function, </a:t>
+              <a:t>If the invoking caller doesn’t match the </a:t>
+            </a:r>
+            <a:r>
+              <a:rPr lang="en-CA" dirty="0" err="1">
+                <a:latin typeface="Lucida Console" panose="020B0609040504020204" pitchFamily="49" charset="0"/>
+              </a:rPr>
+              <a:t>ownerScriptHash</a:t>
+            </a:r>
+            <a:r>
+              <a:rPr lang="en-CA" dirty="0"/>
+              <a:t> passed into the function, </a:t>
             </a:r>
             <a:br>
               <a:rPr lang="en-CA" dirty="0"/>
@@ -8126,7 +8220,33 @@
             <a:pPr lvl="1"/>
             <a:r>
               <a:rPr lang="en-CA" dirty="0"/>
-              <a:t>That is, only permit domains to be registered in the name of the caller.</a:t>
+              <a:t>That is, only permit domains to be registered to </a:t>
+            </a:r>
+            <a:r>
+              <a:rPr lang="en-CA" b="1" dirty="0" err="1">
+                <a:latin typeface="Lucida Console" panose="020B0609040504020204" pitchFamily="49" charset="0"/>
+              </a:rPr>
+              <a:t>ownerScriptHash</a:t>
+            </a:r>
+            <a:r>
+              <a:rPr lang="en-CA"/>
+              <a:t> if </a:t>
+            </a:r>
+            <a:r>
+              <a:rPr lang="en-CA" b="1" dirty="0" err="1">
+                <a:latin typeface="Lucida Console" panose="020B0609040504020204" pitchFamily="49" charset="0"/>
+              </a:rPr>
+              <a:t>ownerScriptHash</a:t>
+            </a:r>
+            <a:r>
+              <a:rPr lang="en-CA" b="1" dirty="0">
+                <a:latin typeface="Lucida Console" panose="020B0609040504020204" pitchFamily="49" charset="0"/>
+              </a:rPr>
+              <a:t> </a:t>
+            </a:r>
+            <a:r>
+              <a:rPr lang="en-CA" dirty="0"/>
+              <a:t>is the actual caller.</a:t>
             </a:r>
           </a:p>
           <a:p>
@@ -8151,7 +8271,19 @@
               <a:rPr lang="en-CA" dirty="0">
                 <a:latin typeface="Lucida Console" panose="020B0609040504020204" pitchFamily="49" charset="0"/>
               </a:rPr>
-              <a:t> byte[] Owner = "ATrzHaicmhRj15C3Vv6e6gLfLqhSD2PtTr".ToScriptHash();</a:t>
+              <a:t> byte[] </a:t>
+            </a:r>
+            <a:r>
+              <a:rPr lang="en-CA" b="1" dirty="0" err="1">
+                <a:latin typeface="Lucida Console" panose="020B0609040504020204" pitchFamily="49" charset="0"/>
+              </a:rPr>
+              <a:t>ownerScriptHash</a:t>
+            </a:r>
+            <a:r>
+              <a:rPr lang="en-CA" dirty="0">
+                <a:latin typeface="Lucida Console" panose="020B0609040504020204" pitchFamily="49" charset="0"/>
+              </a:rPr>
+              <a:t> = "ATrzHaicmhRj15C3Vv6e6gLfLqhSD2PtTr".ToScriptHash();</a:t>
             </a:r>
           </a:p>
           <a:p>

--- a/windocs/windocs-presentations/Debugging NEO Accounts and Addresses-20180216 v0.1.pptx
+++ b/windocs/windocs-presentations/Debugging NEO Accounts and Addresses-20180216 v0.1.pptx
@@ -214,7 +214,7 @@
           <a:p>
             <a:fld id="{38B90DEF-B49A-4C32-BF69-0FB0639AEFC4}" type="datetimeFigureOut">
               <a:rPr lang="en-CA" smtClean="0"/>
-              <a:t>2018-02-18</a:t>
+              <a:t>2018-02-20</a:t>
             </a:fld>
             <a:endParaRPr lang="en-CA"/>
           </a:p>
@@ -1204,7 +1204,7 @@
           <a:p>
             <a:fld id="{5A06C956-D2D2-4E46-9E00-DE5CCAF63712}" type="datetime1">
               <a:rPr lang="en-CA" smtClean="0"/>
-              <a:t>2018-02-18</a:t>
+              <a:t>2018-02-20</a:t>
             </a:fld>
             <a:endParaRPr lang="en-CA"/>
           </a:p>
@@ -1500,7 +1500,7 @@
           <a:p>
             <a:fld id="{473C16C3-E522-4309-9F74-1BAED254C440}" type="datetime1">
               <a:rPr lang="en-CA" smtClean="0"/>
-              <a:t>2018-02-18</a:t>
+              <a:t>2018-02-20</a:t>
             </a:fld>
             <a:endParaRPr lang="en-CA"/>
           </a:p>
@@ -1817,7 +1817,7 @@
           <a:p>
             <a:fld id="{6C6BE0BA-7C3A-4142-991F-56960E65C942}" type="datetime1">
               <a:rPr lang="en-CA" smtClean="0"/>
-              <a:t>2018-02-18</a:t>
+              <a:t>2018-02-20</a:t>
             </a:fld>
             <a:endParaRPr lang="en-CA"/>
           </a:p>
@@ -2143,7 +2143,7 @@
           <a:p>
             <a:fld id="{0B781205-46D3-4367-A0EE-2D1376EAAC90}" type="datetime1">
               <a:rPr lang="en-CA" smtClean="0"/>
-              <a:t>2018-02-18</a:t>
+              <a:t>2018-02-20</a:t>
             </a:fld>
             <a:endParaRPr lang="en-CA"/>
           </a:p>
@@ -2460,7 +2460,7 @@
           <a:p>
             <a:fld id="{4F953609-A642-491E-B3E1-677F48133A89}" type="datetime1">
               <a:rPr lang="en-CA" smtClean="0"/>
-              <a:t>2018-02-18</a:t>
+              <a:t>2018-02-20</a:t>
             </a:fld>
             <a:endParaRPr lang="en-CA"/>
           </a:p>
@@ -2850,7 +2850,7 @@
           <a:p>
             <a:fld id="{5796B025-D22D-4614-9BCD-B2A80D7F001B}" type="datetime1">
               <a:rPr lang="en-CA" smtClean="0"/>
-              <a:t>2018-02-18</a:t>
+              <a:t>2018-02-20</a:t>
             </a:fld>
             <a:endParaRPr lang="en-CA"/>
           </a:p>
@@ -3023,7 +3023,7 @@
           <a:p>
             <a:fld id="{80591241-5952-4ABD-8BC3-A8DDE981FCB6}" type="datetime1">
               <a:rPr lang="en-CA" smtClean="0"/>
-              <a:t>2018-02-18</a:t>
+              <a:t>2018-02-20</a:t>
             </a:fld>
             <a:endParaRPr lang="en-CA"/>
           </a:p>
@@ -3206,7 +3206,7 @@
           <a:p>
             <a:fld id="{D06C608E-E36A-4712-BD06-0625052E03A2}" type="datetime1">
               <a:rPr lang="en-CA" smtClean="0"/>
-              <a:t>2018-02-18</a:t>
+              <a:t>2018-02-20</a:t>
             </a:fld>
             <a:endParaRPr lang="en-CA"/>
           </a:p>
@@ -3385,7 +3385,7 @@
           <a:p>
             <a:fld id="{A7689452-8C12-42F6-9104-A9669BB1BEAD}" type="datetime1">
               <a:rPr lang="en-CA" smtClean="0"/>
-              <a:t>2018-02-18</a:t>
+              <a:t>2018-02-20</a:t>
             </a:fld>
             <a:endParaRPr lang="en-CA"/>
           </a:p>
@@ -3635,7 +3635,7 @@
           <a:p>
             <a:fld id="{AA473FFA-2A94-4601-97CA-FAD58DA7BBC6}" type="datetime1">
               <a:rPr lang="en-CA" smtClean="0"/>
-              <a:t>2018-02-18</a:t>
+              <a:t>2018-02-20</a:t>
             </a:fld>
             <a:endParaRPr lang="en-CA"/>
           </a:p>
@@ -3870,7 +3870,7 @@
           <a:p>
             <a:fld id="{A07A7FC2-07D2-4D4E-A540-B7E8D61F2874}" type="datetime1">
               <a:rPr lang="en-CA" smtClean="0"/>
-              <a:t>2018-02-18</a:t>
+              <a:t>2018-02-20</a:t>
             </a:fld>
             <a:endParaRPr lang="en-CA"/>
           </a:p>
@@ -4247,7 +4247,7 @@
           <a:p>
             <a:fld id="{82D9464B-D132-445A-B941-FB936F33E5E6}" type="datetime1">
               <a:rPr lang="en-CA" smtClean="0"/>
-              <a:t>2018-02-18</a:t>
+              <a:t>2018-02-20</a:t>
             </a:fld>
             <a:endParaRPr lang="en-CA"/>
           </a:p>
@@ -4373,7 +4373,7 @@
           <a:p>
             <a:fld id="{72717433-0132-4D66-898A-9CA085066A1A}" type="datetime1">
               <a:rPr lang="en-CA" smtClean="0"/>
-              <a:t>2018-02-18</a:t>
+              <a:t>2018-02-20</a:t>
             </a:fld>
             <a:endParaRPr lang="en-CA"/>
           </a:p>
@@ -4471,7 +4471,7 @@
           <a:p>
             <a:fld id="{9A5C786C-AE03-4B09-98D7-C5569C114F34}" type="datetime1">
               <a:rPr lang="en-CA" smtClean="0"/>
-              <a:t>2018-02-18</a:t>
+              <a:t>2018-02-20</a:t>
             </a:fld>
             <a:endParaRPr lang="en-CA"/>
           </a:p>
@@ -4729,7 +4729,7 @@
           <a:p>
             <a:fld id="{2EF9CBF5-E85E-4020-B9BE-19F6BE769472}" type="datetime1">
               <a:rPr lang="en-CA" smtClean="0"/>
-              <a:t>2018-02-18</a:t>
+              <a:t>2018-02-20</a:t>
             </a:fld>
             <a:endParaRPr lang="en-CA"/>
           </a:p>
@@ -4995,7 +4995,7 @@
           <a:p>
             <a:fld id="{3F336931-DC35-4BA1-B985-D72FFA5F5F5E}" type="datetime1">
               <a:rPr lang="en-CA" smtClean="0"/>
-              <a:t>2018-02-18</a:t>
+              <a:t>2018-02-20</a:t>
             </a:fld>
             <a:endParaRPr lang="en-CA"/>
           </a:p>
@@ -5741,7 +5741,7 @@
           <a:p>
             <a:fld id="{3661F5D3-1FFE-4C9D-96EA-30A65B63EBBB}" type="datetime1">
               <a:rPr lang="en-CA" smtClean="0"/>
-              <a:t>2018-02-18</a:t>
+              <a:t>2018-02-20</a:t>
             </a:fld>
             <a:endParaRPr lang="en-CA"/>
           </a:p>
@@ -6735,8 +6735,8 @@
         </p:nvSpPr>
         <p:spPr>
           <a:xfrm>
-            <a:off x="677334" y="1463041"/>
-            <a:ext cx="11383602" cy="4968240"/>
+            <a:off x="677334" y="1463040"/>
+            <a:ext cx="11593914" cy="5394959"/>
           </a:xfrm>
         </p:spPr>
         <p:txBody>
@@ -6844,6 +6844,15 @@
             </a:pPr>
             <a:r>
               <a:rPr lang="en-CA" dirty="0"/>
+              <a:t>					= WIF1Address.AsScriptHash();</a:t>
+            </a:r>
+          </a:p>
+          <a:p>
+            <a:pPr marL="0" indent="0">
+              <a:buNone/>
+            </a:pPr>
+            <a:r>
+              <a:rPr lang="en-CA" dirty="0"/>
               <a:t> </a:t>
             </a:r>
           </a:p>
@@ -6930,6 +6939,15 @@
             <a:r>
               <a:rPr lang="en-CA" dirty="0"/>
               <a:t>)	23ba2703c53263e8d6e522dc32203339dcd8eee9</a:t>
+            </a:r>
+          </a:p>
+          <a:p>
+            <a:pPr marL="0" indent="0">
+              <a:buNone/>
+            </a:pPr>
+            <a:r>
+              <a:rPr lang="en-CA" dirty="0"/>
+              <a:t>					 = WIF2Address.AsScriptHash();</a:t>
             </a:r>
           </a:p>
           <a:p>

--- a/windocs/windocs-presentations/Debugging NEO Accounts and Addresses-20180216 v0.1.pptx
+++ b/windocs/windocs-presentations/Debugging NEO Accounts and Addresses-20180216 v0.1.pptx
@@ -6750,7 +6750,15 @@
             </a:pPr>
             <a:r>
               <a:rPr lang="en-CA" b="1" dirty="0"/>
-              <a:t>Description			Length (Bin/Hex)			Examples (Bold Lengths)</a:t>
+              <a:t>Description			Length (byte[]/</a:t>
+            </a:r>
+            <a:r>
+              <a:rPr lang="en-CA" b="1" dirty="0" err="1"/>
+              <a:t>HexString</a:t>
+            </a:r>
+            <a:r>
+              <a:rPr lang="en-CA" b="1" dirty="0"/>
+              <a:t>)		Examples (Bold Lengths)</a:t>
             </a:r>
           </a:p>
           <a:p>

--- a/windocs/windocs-presentations/Debugging NEO Accounts and Addresses-20180216 v0.1.pptx
+++ b/windocs/windocs-presentations/Debugging NEO Accounts and Addresses-20180216 v0.1.pptx
@@ -214,7 +214,7 @@
           <a:p>
             <a:fld id="{38B90DEF-B49A-4C32-BF69-0FB0639AEFC4}" type="datetimeFigureOut">
               <a:rPr lang="en-CA" smtClean="0"/>
-              <a:t>2018-02-20</a:t>
+              <a:t>2018-04-06</a:t>
             </a:fld>
             <a:endParaRPr lang="en-CA"/>
           </a:p>
@@ -1204,7 +1204,7 @@
           <a:p>
             <a:fld id="{5A06C956-D2D2-4E46-9E00-DE5CCAF63712}" type="datetime1">
               <a:rPr lang="en-CA" smtClean="0"/>
-              <a:t>2018-02-20</a:t>
+              <a:t>2018-04-06</a:t>
             </a:fld>
             <a:endParaRPr lang="en-CA"/>
           </a:p>
@@ -1500,7 +1500,7 @@
           <a:p>
             <a:fld id="{473C16C3-E522-4309-9F74-1BAED254C440}" type="datetime1">
               <a:rPr lang="en-CA" smtClean="0"/>
-              <a:t>2018-02-20</a:t>
+              <a:t>2018-04-06</a:t>
             </a:fld>
             <a:endParaRPr lang="en-CA"/>
           </a:p>
@@ -1817,7 +1817,7 @@
           <a:p>
             <a:fld id="{6C6BE0BA-7C3A-4142-991F-56960E65C942}" type="datetime1">
               <a:rPr lang="en-CA" smtClean="0"/>
-              <a:t>2018-02-20</a:t>
+              <a:t>2018-04-06</a:t>
             </a:fld>
             <a:endParaRPr lang="en-CA"/>
           </a:p>
@@ -2143,7 +2143,7 @@
           <a:p>
             <a:fld id="{0B781205-46D3-4367-A0EE-2D1376EAAC90}" type="datetime1">
               <a:rPr lang="en-CA" smtClean="0"/>
-              <a:t>2018-02-20</a:t>
+              <a:t>2018-04-06</a:t>
             </a:fld>
             <a:endParaRPr lang="en-CA"/>
           </a:p>
@@ -2460,7 +2460,7 @@
           <a:p>
             <a:fld id="{4F953609-A642-491E-B3E1-677F48133A89}" type="datetime1">
               <a:rPr lang="en-CA" smtClean="0"/>
-              <a:t>2018-02-20</a:t>
+              <a:t>2018-04-06</a:t>
             </a:fld>
             <a:endParaRPr lang="en-CA"/>
           </a:p>
@@ -2850,7 +2850,7 @@
           <a:p>
             <a:fld id="{5796B025-D22D-4614-9BCD-B2A80D7F001B}" type="datetime1">
               <a:rPr lang="en-CA" smtClean="0"/>
-              <a:t>2018-02-20</a:t>
+              <a:t>2018-04-06</a:t>
             </a:fld>
             <a:endParaRPr lang="en-CA"/>
           </a:p>
@@ -3023,7 +3023,7 @@
           <a:p>
             <a:fld id="{80591241-5952-4ABD-8BC3-A8DDE981FCB6}" type="datetime1">
               <a:rPr lang="en-CA" smtClean="0"/>
-              <a:t>2018-02-20</a:t>
+              <a:t>2018-04-06</a:t>
             </a:fld>
             <a:endParaRPr lang="en-CA"/>
           </a:p>
@@ -3206,7 +3206,7 @@
           <a:p>
             <a:fld id="{D06C608E-E36A-4712-BD06-0625052E03A2}" type="datetime1">
               <a:rPr lang="en-CA" smtClean="0"/>
-              <a:t>2018-02-20</a:t>
+              <a:t>2018-04-06</a:t>
             </a:fld>
             <a:endParaRPr lang="en-CA"/>
           </a:p>
@@ -3385,7 +3385,7 @@
           <a:p>
             <a:fld id="{A7689452-8C12-42F6-9104-A9669BB1BEAD}" type="datetime1">
               <a:rPr lang="en-CA" smtClean="0"/>
-              <a:t>2018-02-20</a:t>
+              <a:t>2018-04-06</a:t>
             </a:fld>
             <a:endParaRPr lang="en-CA"/>
           </a:p>
@@ -3635,7 +3635,7 @@
           <a:p>
             <a:fld id="{AA473FFA-2A94-4601-97CA-FAD58DA7BBC6}" type="datetime1">
               <a:rPr lang="en-CA" smtClean="0"/>
-              <a:t>2018-02-20</a:t>
+              <a:t>2018-04-06</a:t>
             </a:fld>
             <a:endParaRPr lang="en-CA"/>
           </a:p>
@@ -3870,7 +3870,7 @@
           <a:p>
             <a:fld id="{A07A7FC2-07D2-4D4E-A540-B7E8D61F2874}" type="datetime1">
               <a:rPr lang="en-CA" smtClean="0"/>
-              <a:t>2018-02-20</a:t>
+              <a:t>2018-04-06</a:t>
             </a:fld>
             <a:endParaRPr lang="en-CA"/>
           </a:p>
@@ -4247,7 +4247,7 @@
           <a:p>
             <a:fld id="{82D9464B-D132-445A-B941-FB936F33E5E6}" type="datetime1">
               <a:rPr lang="en-CA" smtClean="0"/>
-              <a:t>2018-02-20</a:t>
+              <a:t>2018-04-06</a:t>
             </a:fld>
             <a:endParaRPr lang="en-CA"/>
           </a:p>
@@ -4373,7 +4373,7 @@
           <a:p>
             <a:fld id="{72717433-0132-4D66-898A-9CA085066A1A}" type="datetime1">
               <a:rPr lang="en-CA" smtClean="0"/>
-              <a:t>2018-02-20</a:t>
+              <a:t>2018-04-06</a:t>
             </a:fld>
             <a:endParaRPr lang="en-CA"/>
           </a:p>
@@ -4471,7 +4471,7 @@
           <a:p>
             <a:fld id="{9A5C786C-AE03-4B09-98D7-C5569C114F34}" type="datetime1">
               <a:rPr lang="en-CA" smtClean="0"/>
-              <a:t>2018-02-20</a:t>
+              <a:t>2018-04-06</a:t>
             </a:fld>
             <a:endParaRPr lang="en-CA"/>
           </a:p>
@@ -4729,7 +4729,7 @@
           <a:p>
             <a:fld id="{2EF9CBF5-E85E-4020-B9BE-19F6BE769472}" type="datetime1">
               <a:rPr lang="en-CA" smtClean="0"/>
-              <a:t>2018-02-20</a:t>
+              <a:t>2018-04-06</a:t>
             </a:fld>
             <a:endParaRPr lang="en-CA"/>
           </a:p>
@@ -4995,7 +4995,7 @@
           <a:p>
             <a:fld id="{3F336931-DC35-4BA1-B985-D72FFA5F5F5E}" type="datetime1">
               <a:rPr lang="en-CA" smtClean="0"/>
-              <a:t>2018-02-20</a:t>
+              <a:t>2018-04-06</a:t>
             </a:fld>
             <a:endParaRPr lang="en-CA"/>
           </a:p>
@@ -5741,7 +5741,7 @@
           <a:p>
             <a:fld id="{3661F5D3-1FFE-4C9D-96EA-30A65B63EBBB}" type="datetime1">
               <a:rPr lang="en-CA" smtClean="0"/>
-              <a:t>2018-02-20</a:t>
+              <a:t>2018-04-06</a:t>
             </a:fld>
             <a:endParaRPr lang="en-CA"/>
           </a:p>
@@ -6767,7 +6767,24 @@
             </a:pPr>
             <a:r>
               <a:rPr lang="en-CA" dirty="0"/>
-              <a:t>WIF1				(</a:t>
+              <a:t>Address1				(</a:t>
+            </a:r>
+            <a:r>
+              <a:rPr lang="en-CA" b="1" dirty="0"/>
+              <a:t>34</a:t>
+            </a:r>
+            <a:r>
+              <a:rPr lang="en-CA" dirty="0"/>
+              <a:t>/68)		AcCHoikUq9cP6SMESHufCEMwADJNcTwnAv</a:t>
+            </a:r>
+          </a:p>
+          <a:p>
+            <a:pPr marL="0" indent="0">
+              <a:buNone/>
+            </a:pPr>
+            <a:r>
+              <a:rPr lang="en-CA" dirty="0"/>
+              <a:t>Address1 WIF			(</a:t>
             </a:r>
             <a:r>
               <a:rPr lang="en-CA" b="1" dirty="0"/>
@@ -6775,7 +6792,7 @@
             </a:r>
             <a:r>
               <a:rPr lang="en-CA" dirty="0"/>
-              <a:t>/104)	L3f7C21q4Mu5FzZsDuCMeHqwJ1apHYCrwzU2821p1opaM43BAMKo</a:t>
+              <a:t>/104)		L3f7C21q4Mu5FzZsDuCMeHqwJ1apHYCrwzU2821p1opaM43BAMKo</a:t>
             </a:r>
           </a:p>
           <a:p>
@@ -6784,7 +6801,100 @@
             </a:pPr>
             <a:r>
               <a:rPr lang="en-CA" dirty="0"/>
-              <a:t>WIF1Address			(</a:t>
+              <a:t>Address1 </a:t>
+            </a:r>
+            <a:r>
+              <a:rPr lang="en-CA" dirty="0" err="1"/>
+              <a:t>PublicKeyHex</a:t>
+            </a:r>
+            <a:r>
+              <a:rPr lang="en-CA" dirty="0"/>
+              <a:t>	(33/</a:t>
+            </a:r>
+            <a:r>
+              <a:rPr lang="en-CA" b="1" dirty="0"/>
+              <a:t>66</a:t>
+            </a:r>
+            <a:r>
+              <a:rPr lang="en-CA" dirty="0"/>
+              <a:t>)		02c44534465c8b21f659eba5708e69edae1ddd6f8cd63004095f8e39493cf54e82</a:t>
+            </a:r>
+          </a:p>
+          <a:p>
+            <a:pPr marL="0" indent="0">
+              <a:buNone/>
+            </a:pPr>
+            <a:r>
+              <a:rPr lang="en-CA" dirty="0"/>
+              <a:t>Address1 </a:t>
+            </a:r>
+            <a:r>
+              <a:rPr lang="en-US" dirty="0" err="1"/>
+              <a:t>PrivateKeyHex</a:t>
+            </a:r>
+            <a:r>
+              <a:rPr lang="en-US" dirty="0"/>
+              <a:t>(32/</a:t>
+            </a:r>
+            <a:r>
+              <a:rPr lang="en-US" b="1" dirty="0"/>
+              <a:t>64</a:t>
+            </a:r>
+            <a:r>
+              <a:rPr lang="en-US" dirty="0"/>
+              <a:t>)		c016e1c8a193cc1a28a15464106b91b52727547a3a36f40a8bfebd9933d1963c</a:t>
+            </a:r>
+          </a:p>
+          <a:p>
+            <a:pPr marL="0" indent="0">
+              <a:buNone/>
+            </a:pPr>
+            <a:r>
+              <a:rPr lang="en-CA" dirty="0"/>
+              <a:t>Address1 </a:t>
+            </a:r>
+            <a:r>
+              <a:rPr lang="en-CA" dirty="0" err="1"/>
+              <a:t>ScriptHash</a:t>
+            </a:r>
+            <a:r>
+              <a:rPr lang="en-CA" dirty="0"/>
+              <a:t>	(20/</a:t>
+            </a:r>
+            <a:r>
+              <a:rPr lang="en-CA" b="1" dirty="0"/>
+              <a:t>40</a:t>
+            </a:r>
+            <a:r>
+              <a:rPr lang="en-CA" dirty="0"/>
+              <a:t>)		e000aa6a0ab08af8aa78b19d481e5b5c40d8be0e</a:t>
+            </a:r>
+          </a:p>
+          <a:p>
+            <a:pPr marL="0" indent="0">
+              <a:buNone/>
+            </a:pPr>
+            <a:r>
+              <a:rPr lang="en-CA" dirty="0"/>
+              <a:t>					= Address1.AsScriptHash();</a:t>
+            </a:r>
+          </a:p>
+          <a:p>
+            <a:pPr marL="0" indent="0">
+              <a:buNone/>
+            </a:pPr>
+            <a:r>
+              <a:rPr lang="en-CA" dirty="0"/>
+              <a:t> </a:t>
+            </a:r>
+          </a:p>
+          <a:p>
+            <a:pPr marL="0" indent="0">
+              <a:buNone/>
+            </a:pPr>
+            <a:r>
+              <a:rPr lang="en-CA" dirty="0"/>
+              <a:t>Address2				(</a:t>
             </a:r>
             <a:r>
               <a:rPr lang="en-CA" b="1" dirty="0"/>
@@ -6792,7 +6902,7 @@
             </a:r>
             <a:r>
               <a:rPr lang="en-CA" dirty="0"/>
-              <a:t>/68)	AcCHoikUq9cP6SMESHufCEMwADJNcTwnAv</a:t>
+              <a:t>/68)		AK2nJJpJr6o664CWJKi1QRXjqeic2zRp8y</a:t>
             </a:r>
           </a:p>
           <a:p>
@@ -6801,15 +6911,65 @@
             </a:pPr>
             <a:r>
               <a:rPr lang="en-CA" dirty="0"/>
-              <a:t>WIF1PublicKeyHex		(33/</a:t>
+              <a:t>Address2 WIF			(</a:t>
             </a:r>
             <a:r>
               <a:rPr lang="en-CA" b="1" dirty="0"/>
+              <a:t>52</a:t>
+            </a:r>
+            <a:r>
+              <a:rPr lang="en-CA" dirty="0"/>
+              <a:t>/104)		KxDgvEKzgSBPPfuVfw67oPQBSjidEiqTHURKSDL1R7yGaGYAeYnr</a:t>
+            </a:r>
+          </a:p>
+          <a:p>
+            <a:pPr marL="0" indent="0">
+              <a:buNone/>
+            </a:pPr>
+            <a:r>
+              <a:rPr lang="en-US" dirty="0"/>
+              <a:t>Address2 </a:t>
+            </a:r>
+            <a:r>
+              <a:rPr lang="en-US" dirty="0" err="1"/>
+              <a:t>PublicKeyHex</a:t>
+            </a:r>
+            <a:r>
+              <a:rPr lang="en-US" dirty="0"/>
+              <a:t>	(33/</a:t>
+            </a:r>
+            <a:r>
+              <a:rPr lang="en-US" b="1" dirty="0"/>
               <a:t>66</a:t>
             </a:r>
             <a:r>
+              <a:rPr lang="en-US" dirty="0"/>
+              <a:t>)		031a6c6fbbdf02ca351745fa86b9ba5a9452d785ac4f7fc2b7548ca2a46c4fcf4a</a:t>
+            </a:r>
+          </a:p>
+          <a:p>
+            <a:pPr marL="0" indent="0">
+              <a:buNone/>
+            </a:pPr>
+            <a:r>
+              <a:rPr lang="en-US" dirty="0"/>
+              <a:t>Address2 </a:t>
+            </a:r>
+            <a:r>
+              <a:rPr lang="en-CA" dirty="0" err="1"/>
+              <a:t>PrivateKeyHex</a:t>
+            </a:r>
+            <a:r>
               <a:rPr lang="en-CA" dirty="0"/>
-              <a:t>)	02c44534465c8b21f659eba5708e69edae1ddd6f8cd63004095f8e39493cf54e82</a:t>
+              <a:t> (32/</a:t>
+            </a:r>
+            <a:r>
+              <a:rPr lang="en-CA" b="1" dirty="0"/>
+              <a:t>64</a:t>
+            </a:r>
+            <a:r>
+              <a:rPr lang="en-CA" dirty="0"/>
+              <a:t>)		1dd37fba80fec4e6a6f13fd708d8dcb3b29def768017052f6c930fa1c5d90bbb</a:t>
             </a:r>
           </a:p>
           <a:p>
@@ -6817,25 +6977,16 @@
               <a:buNone/>
             </a:pPr>
             <a:r>
-              <a:rPr lang="en-US" dirty="0"/>
-              <a:t>WIF1PrivateKeyHex	(32/</a:t>
-            </a:r>
-            <a:r>
-              <a:rPr lang="en-US" b="1" dirty="0"/>
-              <a:t>64</a:t>
-            </a:r>
-            <a:r>
-              <a:rPr lang="en-US" dirty="0"/>
-              <a:t>)	c016e1c8a193cc1a28a15464106b91b52727547a3a36f40a8bfebd9933d1963c</a:t>
-            </a:r>
-          </a:p>
-          <a:p>
-            <a:pPr marL="0" indent="0">
-              <a:buNone/>
-            </a:pPr>
-            <a:r>
               <a:rPr lang="en-CA" dirty="0"/>
-              <a:t>WIF1AddressScriptHash	(20/</a:t>
+              <a:t>Address2 </a:t>
+            </a:r>
+            <a:r>
+              <a:rPr lang="en-CA" dirty="0" err="1"/>
+              <a:t>ScriptHash</a:t>
+            </a:r>
+            <a:r>
+              <a:rPr lang="en-CA" dirty="0"/>
+              <a:t>	(20/</a:t>
             </a:r>
             <a:r>
               <a:rPr lang="en-CA" b="1" dirty="0"/>
@@ -6843,7 +6994,7 @@
             </a:r>
             <a:r>
               <a:rPr lang="en-CA" dirty="0"/>
-              <a:t>)	e000aa6a0ab08af8aa78b19d481e5b5c40d8be0e</a:t>
+              <a:t>)		23ba2703c53263e8d6e522dc32203339dcd8eee9</a:t>
             </a:r>
           </a:p>
           <a:p>
@@ -6852,76 +7003,34 @@
             </a:pPr>
             <a:r>
               <a:rPr lang="en-CA" dirty="0"/>
-              <a:t>					= WIF1Address.AsScriptHash();</a:t>
+              <a:t>					 =  Address2.AsScriptHash();</a:t>
             </a:r>
           </a:p>
           <a:p>
             <a:pPr marL="0" indent="0">
               <a:buNone/>
             </a:pPr>
+            <a:endParaRPr lang="en-CA" dirty="0"/>
+          </a:p>
+          <a:p>
+            <a:pPr marL="0" indent="0">
+              <a:buNone/>
+            </a:pPr>
+            <a:r>
+              <a:rPr lang="en-CA" dirty="0" err="1"/>
+              <a:t>TxID</a:t>
+            </a:r>
             <a:r>
               <a:rPr lang="en-CA" dirty="0"/>
-              <a:t> </a:t>
-            </a:r>
-          </a:p>
-          <a:p>
-            <a:pPr marL="0" indent="0">
-              <a:buNone/>
-            </a:pPr>
+              <a:t>, </a:t>
+            </a:r>
+            <a:r>
+              <a:rPr lang="en-CA" dirty="0" err="1"/>
+              <a:t>AssetID</a:t>
+            </a:r>
             <a:r>
               <a:rPr lang="en-CA" dirty="0"/>
-              <a:t>WIF2				(</a:t>
-            </a:r>
-            <a:r>
-              <a:rPr lang="en-CA" b="1" dirty="0"/>
-              <a:t>52</a:t>
-            </a:r>
-            <a:r>
-              <a:rPr lang="en-CA" dirty="0"/>
-              <a:t>/104)	KxDgvEKzgSBPPfuVfw67oPQBSjidEiqTHURKSDL1R7yGaGYAeYnr</a:t>
-            </a:r>
-          </a:p>
-          <a:p>
-            <a:pPr marL="0" indent="0">
-              <a:buNone/>
-            </a:pPr>
-            <a:r>
-              <a:rPr lang="en-CA" dirty="0"/>
-              <a:t>WIF2Address			(</a:t>
-            </a:r>
-            <a:r>
-              <a:rPr lang="en-CA" b="1" dirty="0"/>
-              <a:t>34</a:t>
-            </a:r>
-            <a:r>
-              <a:rPr lang="en-CA" dirty="0"/>
-              <a:t>/68)	AK2nJJpJr6o664CWJKi1QRXjqeic2zRp8y</a:t>
-            </a:r>
-          </a:p>
-          <a:p>
-            <a:pPr marL="0" indent="0">
-              <a:buNone/>
-            </a:pPr>
-            <a:r>
-              <a:rPr lang="en-US" dirty="0"/>
-              <a:t>WIF2PublicKeyHex		(33/</a:t>
-            </a:r>
-            <a:r>
-              <a:rPr lang="en-US" b="1" dirty="0"/>
-              <a:t>66</a:t>
-            </a:r>
-            <a:r>
-              <a:rPr lang="en-US" dirty="0"/>
-              <a:t>)	031a6c6fbbdf02ca351745fa86b9ba5a9452d785ac4f7fc2b7548ca2a46c4fcf4a</a:t>
-            </a:r>
-          </a:p>
-          <a:p>
-            <a:pPr marL="0" indent="0">
-              <a:buNone/>
-            </a:pPr>
-            <a:r>
-              <a:rPr lang="en-CA" dirty="0"/>
-              <a:t>WIF2PrivateKeyHex	(32/</a:t>
+              <a:t>			(32/</a:t>
             </a:r>
             <a:r>
               <a:rPr lang="en-CA" b="1" dirty="0"/>
@@ -6929,68 +7038,7 @@
             </a:r>
             <a:r>
               <a:rPr lang="en-CA" dirty="0"/>
-              <a:t>)	1dd37fba80fec4e6a6f13fd708d8dcb3b29def768017052f6c930fa1c5d90bbb</a:t>
-            </a:r>
-          </a:p>
-          <a:p>
-            <a:pPr marL="0" indent="0">
-              <a:buNone/>
-            </a:pPr>
-            <a:r>
-              <a:rPr lang="en-CA" dirty="0"/>
-              <a:t>WIF2AddressScriptHash	(20/</a:t>
-            </a:r>
-            <a:r>
-              <a:rPr lang="en-CA" b="1" dirty="0"/>
-              <a:t>40</a:t>
-            </a:r>
-            <a:r>
-              <a:rPr lang="en-CA" dirty="0"/>
-              <a:t>)	23ba2703c53263e8d6e522dc32203339dcd8eee9</a:t>
-            </a:r>
-          </a:p>
-          <a:p>
-            <a:pPr marL="0" indent="0">
-              <a:buNone/>
-            </a:pPr>
-            <a:r>
-              <a:rPr lang="en-CA" dirty="0"/>
-              <a:t>					 = WIF2Address.AsScriptHash();</a:t>
-            </a:r>
-          </a:p>
-          <a:p>
-            <a:pPr marL="0" indent="0">
-              <a:buNone/>
-            </a:pPr>
-            <a:endParaRPr lang="en-CA" dirty="0"/>
-          </a:p>
-          <a:p>
-            <a:pPr marL="0" indent="0">
-              <a:buNone/>
-            </a:pPr>
-            <a:r>
-              <a:rPr lang="en-CA" dirty="0" err="1"/>
-              <a:t>TxID</a:t>
-            </a:r>
-            <a:r>
-              <a:rPr lang="en-CA" dirty="0"/>
-              <a:t>, </a:t>
-            </a:r>
-            <a:r>
-              <a:rPr lang="en-CA" dirty="0" err="1"/>
-              <a:t>AssetID</a:t>
-            </a:r>
-            <a:r>
-              <a:rPr lang="en-CA" dirty="0"/>
-              <a:t>			(32/</a:t>
-            </a:r>
-            <a:r>
-              <a:rPr lang="en-CA" b="1" dirty="0"/>
-              <a:t>64</a:t>
-            </a:r>
-            <a:r>
-              <a:rPr lang="en-CA" dirty="0"/>
-              <a:t>)	687b68a1159429dc558e4fc7590e391d52f1ef79a12922f941daa37c00334ec5</a:t>
+              <a:t>)		687b68a1159429dc558e4fc7590e391d52f1ef79a12922f941daa37c00334ec5</a:t>
             </a:r>
           </a:p>
         </p:txBody>
@@ -8318,34 +8366,6 @@
           </a:p>
           <a:p>
             <a:endParaRPr lang="en-CA" dirty="0"/>
-          </a:p>
-        </p:txBody>
-      </p:sp>
-      <p:sp>
-        <p:nvSpPr>
-          <p:cNvPr id="4" name="Footer Placeholder 3">
-            <a:extLst>
-              <a:ext uri="{FF2B5EF4-FFF2-40B4-BE49-F238E27FC236}">
-                <a16:creationId xmlns:a16="http://schemas.microsoft.com/office/drawing/2014/main" id="{ADB13083-5383-4643-A52E-45B6A9EC67D0}"/>
-              </a:ext>
-            </a:extLst>
-          </p:cNvPr>
-          <p:cNvSpPr>
-            <a:spLocks noGrp="1"/>
-          </p:cNvSpPr>
-          <p:nvPr>
-            <p:ph type="ftr" sz="quarter" idx="11"/>
-          </p:nvPr>
-        </p:nvSpPr>
-        <p:spPr/>
-        <p:txBody>
-          <a:bodyPr/>
-          <a:lstStyle/>
-          <a:p>
-            <a:r>
-              <a:rPr lang="en-CA"/>
-              <a:t>mwherman2000/neo-windocs</a:t>
-            </a:r>
           </a:p>
         </p:txBody>
       </p:sp>
